--- a/# Powerpoint Workshop/#picture_resize.pptx
+++ b/# Powerpoint Workshop/#picture_resize.pptx
@@ -4,11 +4,15 @@
   <p:sldMasterIdLst>
     <p:sldMasterId id="2147483648" r:id="rId1"/>
   </p:sldMasterIdLst>
+  <p:notesMasterIdLst>
+    <p:notesMasterId r:id="rId7"/>
+  </p:notesMasterIdLst>
   <p:sldIdLst>
     <p:sldId id="256" r:id="rId2"/>
     <p:sldId id="257" r:id="rId3"/>
     <p:sldId id="258" r:id="rId4"/>
     <p:sldId id="259" r:id="rId5"/>
+    <p:sldId id="260" r:id="rId6"/>
   </p:sldIdLst>
   <p:sldSz cx="12192000" cy="6858000"/>
   <p:notesSz cx="6858000" cy="9144000"/>
@@ -115,6 +119,439 @@
 </p:presentation>
 </file>
 
+<file path=ppt/notesMasters/notesMaster1.xml><?xml version="1.0" encoding="utf-8"?>
+<p:notesMaster xmlns:a="http://schemas.openxmlformats.org/drawingml/2006/main" xmlns:r="http://schemas.openxmlformats.org/officeDocument/2006/relationships" xmlns:p="http://schemas.openxmlformats.org/presentationml/2006/main">
+  <p:cSld>
+    <p:bg>
+      <p:bgRef idx="1001">
+        <a:schemeClr val="bg1"/>
+      </p:bgRef>
+    </p:bg>
+    <p:spTree>
+      <p:nvGrpSpPr>
+        <p:cNvPr id="1" name=""/>
+        <p:cNvGrpSpPr/>
+        <p:nvPr/>
+      </p:nvGrpSpPr>
+      <p:grpSpPr>
+        <a:xfrm>
+          <a:off x="0" y="0"/>
+          <a:ext cx="0" cy="0"/>
+          <a:chOff x="0" y="0"/>
+          <a:chExt cx="0" cy="0"/>
+        </a:xfrm>
+      </p:grpSpPr>
+      <p:sp>
+        <p:nvSpPr>
+          <p:cNvPr id="2" name="Header Placeholder 1"/>
+          <p:cNvSpPr>
+            <a:spLocks noGrp="1"/>
+          </p:cNvSpPr>
+          <p:nvPr>
+            <p:ph type="hdr" sz="quarter"/>
+          </p:nvPr>
+        </p:nvSpPr>
+        <p:spPr>
+          <a:xfrm>
+            <a:off x="0" y="0"/>
+            <a:ext cx="2971800" cy="458788"/>
+          </a:xfrm>
+          <a:prstGeom prst="rect">
+            <a:avLst/>
+          </a:prstGeom>
+        </p:spPr>
+        <p:txBody>
+          <a:bodyPr vert="horz" lIns="91440" tIns="45720" rIns="91440" bIns="45720" rtlCol="0"/>
+          <a:lstStyle>
+            <a:lvl1pPr algn="l">
+              <a:defRPr sz="1200"/>
+            </a:lvl1pPr>
+          </a:lstStyle>
+          <a:p>
+            <a:endParaRPr lang="en-US"/>
+          </a:p>
+        </p:txBody>
+      </p:sp>
+      <p:sp>
+        <p:nvSpPr>
+          <p:cNvPr id="3" name="Date Placeholder 2"/>
+          <p:cNvSpPr>
+            <a:spLocks noGrp="1"/>
+          </p:cNvSpPr>
+          <p:nvPr>
+            <p:ph type="dt" idx="1"/>
+          </p:nvPr>
+        </p:nvSpPr>
+        <p:spPr>
+          <a:xfrm>
+            <a:off x="3884613" y="0"/>
+            <a:ext cx="2971800" cy="458788"/>
+          </a:xfrm>
+          <a:prstGeom prst="rect">
+            <a:avLst/>
+          </a:prstGeom>
+        </p:spPr>
+        <p:txBody>
+          <a:bodyPr vert="horz" lIns="91440" tIns="45720" rIns="91440" bIns="45720" rtlCol="0"/>
+          <a:lstStyle>
+            <a:lvl1pPr algn="r">
+              <a:defRPr sz="1200"/>
+            </a:lvl1pPr>
+          </a:lstStyle>
+          <a:p>
+            <a:fld id="{EE70B185-0CBF-4A8F-ABB8-00DAD16C0436}" type="datetimeFigureOut">
+              <a:rPr lang="en-US" smtClean="0"/>
+              <a:t>7/24/2020</a:t>
+            </a:fld>
+            <a:endParaRPr lang="en-US"/>
+          </a:p>
+        </p:txBody>
+      </p:sp>
+      <p:sp>
+        <p:nvSpPr>
+          <p:cNvPr id="4" name="Slide Image Placeholder 3"/>
+          <p:cNvSpPr>
+            <a:spLocks noGrp="1" noRot="1" noChangeAspect="1"/>
+          </p:cNvSpPr>
+          <p:nvPr>
+            <p:ph type="sldImg" idx="2"/>
+          </p:nvPr>
+        </p:nvSpPr>
+        <p:spPr>
+          <a:xfrm>
+            <a:off x="685800" y="1143000"/>
+            <a:ext cx="5486400" cy="3086100"/>
+          </a:xfrm>
+          <a:prstGeom prst="rect">
+            <a:avLst/>
+          </a:prstGeom>
+          <a:noFill/>
+          <a:ln w="12700">
+            <a:solidFill>
+              <a:prstClr val="black"/>
+            </a:solidFill>
+          </a:ln>
+        </p:spPr>
+        <p:txBody>
+          <a:bodyPr vert="horz" lIns="91440" tIns="45720" rIns="91440" bIns="45720" rtlCol="0" anchor="ctr"/>
+          <a:lstStyle/>
+          <a:p>
+            <a:endParaRPr lang="en-US"/>
+          </a:p>
+        </p:txBody>
+      </p:sp>
+      <p:sp>
+        <p:nvSpPr>
+          <p:cNvPr id="5" name="Notes Placeholder 4"/>
+          <p:cNvSpPr>
+            <a:spLocks noGrp="1"/>
+          </p:cNvSpPr>
+          <p:nvPr>
+            <p:ph type="body" sz="quarter" idx="3"/>
+          </p:nvPr>
+        </p:nvSpPr>
+        <p:spPr>
+          <a:xfrm>
+            <a:off x="685800" y="4400550"/>
+            <a:ext cx="5486400" cy="3600450"/>
+          </a:xfrm>
+          <a:prstGeom prst="rect">
+            <a:avLst/>
+          </a:prstGeom>
+        </p:spPr>
+        <p:txBody>
+          <a:bodyPr vert="horz" lIns="91440" tIns="45720" rIns="91440" bIns="45720" rtlCol="0"/>
+          <a:lstStyle/>
+          <a:p>
+            <a:pPr lvl="0"/>
+            <a:r>
+              <a:rPr lang="en-US"/>
+              <a:t>Click to edit Master text styles</a:t>
+            </a:r>
+          </a:p>
+          <a:p>
+            <a:pPr lvl="1"/>
+            <a:r>
+              <a:rPr lang="en-US"/>
+              <a:t>Second level</a:t>
+            </a:r>
+          </a:p>
+          <a:p>
+            <a:pPr lvl="2"/>
+            <a:r>
+              <a:rPr lang="en-US"/>
+              <a:t>Third level</a:t>
+            </a:r>
+          </a:p>
+          <a:p>
+            <a:pPr lvl="3"/>
+            <a:r>
+              <a:rPr lang="en-US"/>
+              <a:t>Fourth level</a:t>
+            </a:r>
+          </a:p>
+          <a:p>
+            <a:pPr lvl="4"/>
+            <a:r>
+              <a:rPr lang="en-US"/>
+              <a:t>Fifth level</a:t>
+            </a:r>
+          </a:p>
+        </p:txBody>
+      </p:sp>
+      <p:sp>
+        <p:nvSpPr>
+          <p:cNvPr id="6" name="Footer Placeholder 5"/>
+          <p:cNvSpPr>
+            <a:spLocks noGrp="1"/>
+          </p:cNvSpPr>
+          <p:nvPr>
+            <p:ph type="ftr" sz="quarter" idx="4"/>
+          </p:nvPr>
+        </p:nvSpPr>
+        <p:spPr>
+          <a:xfrm>
+            <a:off x="0" y="8685213"/>
+            <a:ext cx="2971800" cy="458787"/>
+          </a:xfrm>
+          <a:prstGeom prst="rect">
+            <a:avLst/>
+          </a:prstGeom>
+        </p:spPr>
+        <p:txBody>
+          <a:bodyPr vert="horz" lIns="91440" tIns="45720" rIns="91440" bIns="45720" rtlCol="0" anchor="b"/>
+          <a:lstStyle>
+            <a:lvl1pPr algn="l">
+              <a:defRPr sz="1200"/>
+            </a:lvl1pPr>
+          </a:lstStyle>
+          <a:p>
+            <a:endParaRPr lang="en-US"/>
+          </a:p>
+        </p:txBody>
+      </p:sp>
+      <p:sp>
+        <p:nvSpPr>
+          <p:cNvPr id="7" name="Slide Number Placeholder 6"/>
+          <p:cNvSpPr>
+            <a:spLocks noGrp="1"/>
+          </p:cNvSpPr>
+          <p:nvPr>
+            <p:ph type="sldNum" sz="quarter" idx="5"/>
+          </p:nvPr>
+        </p:nvSpPr>
+        <p:spPr>
+          <a:xfrm>
+            <a:off x="3884613" y="8685213"/>
+            <a:ext cx="2971800" cy="458787"/>
+          </a:xfrm>
+          <a:prstGeom prst="rect">
+            <a:avLst/>
+          </a:prstGeom>
+        </p:spPr>
+        <p:txBody>
+          <a:bodyPr vert="horz" lIns="91440" tIns="45720" rIns="91440" bIns="45720" rtlCol="0" anchor="b"/>
+          <a:lstStyle>
+            <a:lvl1pPr algn="r">
+              <a:defRPr sz="1200"/>
+            </a:lvl1pPr>
+          </a:lstStyle>
+          <a:p>
+            <a:fld id="{3665153B-08B2-4160-8D72-9A7915F65B80}" type="slidenum">
+              <a:rPr lang="en-US" smtClean="0"/>
+              <a:t>‹#›</a:t>
+            </a:fld>
+            <a:endParaRPr lang="en-US"/>
+          </a:p>
+        </p:txBody>
+      </p:sp>
+    </p:spTree>
+    <p:extLst>
+      <p:ext uri="{BB962C8B-B14F-4D97-AF65-F5344CB8AC3E}">
+        <p14:creationId xmlns:p14="http://schemas.microsoft.com/office/powerpoint/2010/main" val="2819409300"/>
+      </p:ext>
+    </p:extLst>
+  </p:cSld>
+  <p:clrMap bg1="lt1" tx1="dk1" bg2="lt2" tx2="dk2" accent1="accent1" accent2="accent2" accent3="accent3" accent4="accent4" accent5="accent5" accent6="accent6" hlink="hlink" folHlink="folHlink"/>
+  <p:notesStyle>
+    <a:lvl1pPr marL="0" algn="l" defTabSz="914400" rtl="0" eaLnBrk="1" latinLnBrk="0" hangingPunct="1">
+      <a:defRPr sz="1200" kern="1200">
+        <a:solidFill>
+          <a:schemeClr val="tx1"/>
+        </a:solidFill>
+        <a:latin typeface="+mn-lt"/>
+        <a:ea typeface="+mn-ea"/>
+        <a:cs typeface="+mn-cs"/>
+      </a:defRPr>
+    </a:lvl1pPr>
+    <a:lvl2pPr marL="457200" algn="l" defTabSz="914400" rtl="0" eaLnBrk="1" latinLnBrk="0" hangingPunct="1">
+      <a:defRPr sz="1200" kern="1200">
+        <a:solidFill>
+          <a:schemeClr val="tx1"/>
+        </a:solidFill>
+        <a:latin typeface="+mn-lt"/>
+        <a:ea typeface="+mn-ea"/>
+        <a:cs typeface="+mn-cs"/>
+      </a:defRPr>
+    </a:lvl2pPr>
+    <a:lvl3pPr marL="914400" algn="l" defTabSz="914400" rtl="0" eaLnBrk="1" latinLnBrk="0" hangingPunct="1">
+      <a:defRPr sz="1200" kern="1200">
+        <a:solidFill>
+          <a:schemeClr val="tx1"/>
+        </a:solidFill>
+        <a:latin typeface="+mn-lt"/>
+        <a:ea typeface="+mn-ea"/>
+        <a:cs typeface="+mn-cs"/>
+      </a:defRPr>
+    </a:lvl3pPr>
+    <a:lvl4pPr marL="1371600" algn="l" defTabSz="914400" rtl="0" eaLnBrk="1" latinLnBrk="0" hangingPunct="1">
+      <a:defRPr sz="1200" kern="1200">
+        <a:solidFill>
+          <a:schemeClr val="tx1"/>
+        </a:solidFill>
+        <a:latin typeface="+mn-lt"/>
+        <a:ea typeface="+mn-ea"/>
+        <a:cs typeface="+mn-cs"/>
+      </a:defRPr>
+    </a:lvl4pPr>
+    <a:lvl5pPr marL="1828800" algn="l" defTabSz="914400" rtl="0" eaLnBrk="1" latinLnBrk="0" hangingPunct="1">
+      <a:defRPr sz="1200" kern="1200">
+        <a:solidFill>
+          <a:schemeClr val="tx1"/>
+        </a:solidFill>
+        <a:latin typeface="+mn-lt"/>
+        <a:ea typeface="+mn-ea"/>
+        <a:cs typeface="+mn-cs"/>
+      </a:defRPr>
+    </a:lvl5pPr>
+    <a:lvl6pPr marL="2286000" algn="l" defTabSz="914400" rtl="0" eaLnBrk="1" latinLnBrk="0" hangingPunct="1">
+      <a:defRPr sz="1200" kern="1200">
+        <a:solidFill>
+          <a:schemeClr val="tx1"/>
+        </a:solidFill>
+        <a:latin typeface="+mn-lt"/>
+        <a:ea typeface="+mn-ea"/>
+        <a:cs typeface="+mn-cs"/>
+      </a:defRPr>
+    </a:lvl6pPr>
+    <a:lvl7pPr marL="2743200" algn="l" defTabSz="914400" rtl="0" eaLnBrk="1" latinLnBrk="0" hangingPunct="1">
+      <a:defRPr sz="1200" kern="1200">
+        <a:solidFill>
+          <a:schemeClr val="tx1"/>
+        </a:solidFill>
+        <a:latin typeface="+mn-lt"/>
+        <a:ea typeface="+mn-ea"/>
+        <a:cs typeface="+mn-cs"/>
+      </a:defRPr>
+    </a:lvl7pPr>
+    <a:lvl8pPr marL="3200400" algn="l" defTabSz="914400" rtl="0" eaLnBrk="1" latinLnBrk="0" hangingPunct="1">
+      <a:defRPr sz="1200" kern="1200">
+        <a:solidFill>
+          <a:schemeClr val="tx1"/>
+        </a:solidFill>
+        <a:latin typeface="+mn-lt"/>
+        <a:ea typeface="+mn-ea"/>
+        <a:cs typeface="+mn-cs"/>
+      </a:defRPr>
+    </a:lvl8pPr>
+    <a:lvl9pPr marL="3657600" algn="l" defTabSz="914400" rtl="0" eaLnBrk="1" latinLnBrk="0" hangingPunct="1">
+      <a:defRPr sz="1200" kern="1200">
+        <a:solidFill>
+          <a:schemeClr val="tx1"/>
+        </a:solidFill>
+        <a:latin typeface="+mn-lt"/>
+        <a:ea typeface="+mn-ea"/>
+        <a:cs typeface="+mn-cs"/>
+      </a:defRPr>
+    </a:lvl9pPr>
+  </p:notesStyle>
+</p:notesMaster>
+</file>
+
+<file path=ppt/notesSlides/notesSlide1.xml><?xml version="1.0" encoding="utf-8"?>
+<p:notes xmlns:a="http://schemas.openxmlformats.org/drawingml/2006/main" xmlns:r="http://schemas.openxmlformats.org/officeDocument/2006/relationships" xmlns:p="http://schemas.openxmlformats.org/presentationml/2006/main">
+  <p:cSld>
+    <p:spTree>
+      <p:nvGrpSpPr>
+        <p:cNvPr id="1" name=""/>
+        <p:cNvGrpSpPr/>
+        <p:nvPr/>
+      </p:nvGrpSpPr>
+      <p:grpSpPr>
+        <a:xfrm>
+          <a:off x="0" y="0"/>
+          <a:ext cx="0" cy="0"/>
+          <a:chOff x="0" y="0"/>
+          <a:chExt cx="0" cy="0"/>
+        </a:xfrm>
+      </p:grpSpPr>
+      <p:sp>
+        <p:nvSpPr>
+          <p:cNvPr id="2" name="Slide Image Placeholder 1"/>
+          <p:cNvSpPr>
+            <a:spLocks noGrp="1" noRot="1" noChangeAspect="1"/>
+          </p:cNvSpPr>
+          <p:nvPr>
+            <p:ph type="sldImg"/>
+          </p:nvPr>
+        </p:nvSpPr>
+        <p:spPr/>
+      </p:sp>
+      <p:sp>
+        <p:nvSpPr>
+          <p:cNvPr id="3" name="Notes Placeholder 2"/>
+          <p:cNvSpPr>
+            <a:spLocks noGrp="1"/>
+          </p:cNvSpPr>
+          <p:nvPr>
+            <p:ph type="body" idx="1"/>
+          </p:nvPr>
+        </p:nvSpPr>
+        <p:spPr/>
+        <p:txBody>
+          <a:bodyPr/>
+          <a:lstStyle/>
+          <a:p>
+            <a:endParaRPr lang="en-US" dirty="0"/>
+          </a:p>
+        </p:txBody>
+      </p:sp>
+      <p:sp>
+        <p:nvSpPr>
+          <p:cNvPr id="4" name="Slide Number Placeholder 3"/>
+          <p:cNvSpPr>
+            <a:spLocks noGrp="1"/>
+          </p:cNvSpPr>
+          <p:nvPr>
+            <p:ph type="sldNum" sz="quarter" idx="5"/>
+          </p:nvPr>
+        </p:nvSpPr>
+        <p:spPr/>
+        <p:txBody>
+          <a:bodyPr/>
+          <a:lstStyle/>
+          <a:p>
+            <a:fld id="{3665153B-08B2-4160-8D72-9A7915F65B80}" type="slidenum">
+              <a:rPr lang="en-US" smtClean="0"/>
+              <a:t>1</a:t>
+            </a:fld>
+            <a:endParaRPr lang="en-US"/>
+          </a:p>
+        </p:txBody>
+      </p:sp>
+    </p:spTree>
+    <p:extLst>
+      <p:ext uri="{BB962C8B-B14F-4D97-AF65-F5344CB8AC3E}">
+        <p14:creationId xmlns:p14="http://schemas.microsoft.com/office/powerpoint/2010/main" val="887112759"/>
+      </p:ext>
+    </p:extLst>
+  </p:cSld>
+  <p:clrMapOvr>
+    <a:masterClrMapping/>
+  </p:clrMapOvr>
+</p:notes>
+</file>
+
 <file path=ppt/slideLayouts/slideLayout1.xml><?xml version="1.0" encoding="utf-8"?>
 <p:sldLayout xmlns:a="http://schemas.openxmlformats.org/drawingml/2006/main" xmlns:r="http://schemas.openxmlformats.org/officeDocument/2006/relationships" xmlns:p="http://schemas.openxmlformats.org/presentationml/2006/main" type="title" preserve="1">
   <p:cSld name="Title Slide">
@@ -262,7 +699,7 @@
           <a:p>
             <a:fld id="{583D1611-C3BC-45BD-9FA5-A8A5DA707111}" type="datetimeFigureOut">
               <a:rPr lang="en-US" smtClean="0"/>
-              <a:t>7/20/2020</a:t>
+              <a:t>7/24/2020</a:t>
             </a:fld>
             <a:endParaRPr lang="en-US"/>
           </a:p>
@@ -460,7 +897,7 @@
           <a:p>
             <a:fld id="{583D1611-C3BC-45BD-9FA5-A8A5DA707111}" type="datetimeFigureOut">
               <a:rPr lang="en-US" smtClean="0"/>
-              <a:t>7/20/2020</a:t>
+              <a:t>7/24/2020</a:t>
             </a:fld>
             <a:endParaRPr lang="en-US"/>
           </a:p>
@@ -668,7 +1105,7 @@
           <a:p>
             <a:fld id="{583D1611-C3BC-45BD-9FA5-A8A5DA707111}" type="datetimeFigureOut">
               <a:rPr lang="en-US" smtClean="0"/>
-              <a:t>7/20/2020</a:t>
+              <a:t>7/24/2020</a:t>
             </a:fld>
             <a:endParaRPr lang="en-US"/>
           </a:p>
@@ -866,7 +1303,7 @@
           <a:p>
             <a:fld id="{583D1611-C3BC-45BD-9FA5-A8A5DA707111}" type="datetimeFigureOut">
               <a:rPr lang="en-US" smtClean="0"/>
-              <a:t>7/20/2020</a:t>
+              <a:t>7/24/2020</a:t>
             </a:fld>
             <a:endParaRPr lang="en-US"/>
           </a:p>
@@ -1141,7 +1578,7 @@
           <a:p>
             <a:fld id="{583D1611-C3BC-45BD-9FA5-A8A5DA707111}" type="datetimeFigureOut">
               <a:rPr lang="en-US" smtClean="0"/>
-              <a:t>7/20/2020</a:t>
+              <a:t>7/24/2020</a:t>
             </a:fld>
             <a:endParaRPr lang="en-US"/>
           </a:p>
@@ -1406,7 +1843,7 @@
           <a:p>
             <a:fld id="{583D1611-C3BC-45BD-9FA5-A8A5DA707111}" type="datetimeFigureOut">
               <a:rPr lang="en-US" smtClean="0"/>
-              <a:t>7/20/2020</a:t>
+              <a:t>7/24/2020</a:t>
             </a:fld>
             <a:endParaRPr lang="en-US"/>
           </a:p>
@@ -1818,7 +2255,7 @@
           <a:p>
             <a:fld id="{583D1611-C3BC-45BD-9FA5-A8A5DA707111}" type="datetimeFigureOut">
               <a:rPr lang="en-US" smtClean="0"/>
-              <a:t>7/20/2020</a:t>
+              <a:t>7/24/2020</a:t>
             </a:fld>
             <a:endParaRPr lang="en-US"/>
           </a:p>
@@ -1959,7 +2396,7 @@
           <a:p>
             <a:fld id="{583D1611-C3BC-45BD-9FA5-A8A5DA707111}" type="datetimeFigureOut">
               <a:rPr lang="en-US" smtClean="0"/>
-              <a:t>7/20/2020</a:t>
+              <a:t>7/24/2020</a:t>
             </a:fld>
             <a:endParaRPr lang="en-US"/>
           </a:p>
@@ -2072,7 +2509,7 @@
           <a:p>
             <a:fld id="{583D1611-C3BC-45BD-9FA5-A8A5DA707111}" type="datetimeFigureOut">
               <a:rPr lang="en-US" smtClean="0"/>
-              <a:t>7/20/2020</a:t>
+              <a:t>7/24/2020</a:t>
             </a:fld>
             <a:endParaRPr lang="en-US"/>
           </a:p>
@@ -2383,7 +2820,7 @@
           <a:p>
             <a:fld id="{583D1611-C3BC-45BD-9FA5-A8A5DA707111}" type="datetimeFigureOut">
               <a:rPr lang="en-US" smtClean="0"/>
-              <a:t>7/20/2020</a:t>
+              <a:t>7/24/2020</a:t>
             </a:fld>
             <a:endParaRPr lang="en-US"/>
           </a:p>
@@ -2671,7 +3108,7 @@
           <a:p>
             <a:fld id="{583D1611-C3BC-45BD-9FA5-A8A5DA707111}" type="datetimeFigureOut">
               <a:rPr lang="en-US" smtClean="0"/>
-              <a:t>7/20/2020</a:t>
+              <a:t>7/24/2020</a:t>
             </a:fld>
             <a:endParaRPr lang="en-US"/>
           </a:p>
@@ -2912,7 +3349,7 @@
           <a:p>
             <a:fld id="{583D1611-C3BC-45BD-9FA5-A8A5DA707111}" type="datetimeFigureOut">
               <a:rPr lang="en-US" smtClean="0"/>
-              <a:t>7/20/2020</a:t>
+              <a:t>7/24/2020</a:t>
             </a:fld>
             <a:endParaRPr lang="en-US"/>
           </a:p>
@@ -3344,7 +3781,7 @@
           <p:nvPr/>
         </p:nvPicPr>
         <p:blipFill>
-          <a:blip r:embed="rId2">
+          <a:blip r:embed="rId3">
             <a:extLst>
               <a:ext uri="{28A0092B-C50C-407E-A947-70E740481C1C}">
                 <a14:useLocalDpi xmlns:a14="http://schemas.microsoft.com/office/drawing/2010/main" val="0"/>
@@ -3357,7 +3794,7 @@
         </p:blipFill>
         <p:spPr>
           <a:xfrm>
-            <a:off x="5017223" y="1800664"/>
+            <a:off x="8195216" y="1060460"/>
             <a:ext cx="2157553" cy="2868936"/>
           </a:xfrm>
           <a:prstGeom prst="rect">
@@ -3379,10 +3816,10 @@
         </p:nvGrpSpPr>
         <p:grpSpPr>
           <a:xfrm>
-            <a:off x="1498105" y="2702348"/>
-            <a:ext cx="2352837" cy="1371600"/>
+            <a:off x="3141898" y="189516"/>
+            <a:ext cx="2346377" cy="1370517"/>
             <a:chOff x="815926" y="2855742"/>
-            <a:chExt cx="3967850" cy="2227027"/>
+            <a:chExt cx="3956956" cy="2225269"/>
           </a:xfrm>
         </p:grpSpPr>
         <p:sp>
@@ -3452,18 +3889,18 @@
             <p:nvPr/>
           </p:nvPicPr>
           <p:blipFill>
-            <a:blip r:embed="rId3">
+            <a:blip r:embed="rId4">
               <a:duotone>
                 <a:prstClr val="black"/>
-                <a:srgbClr val="6600CC">
+                <a:schemeClr val="accent6">
                   <a:tint val="45000"/>
                   <a:satMod val="400000"/>
-                </a:srgbClr>
+                </a:schemeClr>
               </a:duotone>
               <a:extLst>
                 <a:ext uri="{BEBA8EAE-BF5A-486C-A8C5-ECC9F3942E4B}">
                   <a14:imgProps xmlns:a14="http://schemas.microsoft.com/office/drawing/2010/main">
-                    <a14:imgLayer r:embed="rId4">
+                    <a14:imgLayer r:embed="rId5">
                       <a14:imgEffect>
                         <a14:backgroundRemoval t="10000" b="90000" l="10000" r="90000">
                           <a14:foregroundMark x1="33150" y1="44363" x2="33150" y2="47059"/>
@@ -3490,8 +3927,8 @@
           </p:blipFill>
           <p:spPr>
             <a:xfrm>
-              <a:off x="826821" y="2857500"/>
-              <a:ext cx="3956955" cy="2225269"/>
+              <a:off x="815926" y="2855742"/>
+              <a:ext cx="3956956" cy="2225269"/>
             </a:xfrm>
             <a:prstGeom prst="rect">
               <a:avLst/>
@@ -3502,12 +3939,1050 @@
           </p:spPr>
         </p:pic>
       </p:grpSp>
+      <p:grpSp>
+        <p:nvGrpSpPr>
+          <p:cNvPr id="4" name="Group 3">
+            <a:extLst>
+              <a:ext uri="{FF2B5EF4-FFF2-40B4-BE49-F238E27FC236}">
+                <a16:creationId xmlns:a16="http://schemas.microsoft.com/office/drawing/2014/main" id="{4C3B4CE9-477C-42CB-AAD5-372EDC303DDB}"/>
+              </a:ext>
+            </a:extLst>
+          </p:cNvPr>
+          <p:cNvGrpSpPr/>
+          <p:nvPr/>
+        </p:nvGrpSpPr>
+        <p:grpSpPr>
+          <a:xfrm>
+            <a:off x="750746" y="1300872"/>
+            <a:ext cx="6442191" cy="2434072"/>
+            <a:chOff x="750746" y="1300872"/>
+            <a:chExt cx="6442191" cy="2434072"/>
+          </a:xfrm>
+        </p:grpSpPr>
+        <p:sp>
+          <p:nvSpPr>
+            <p:cNvPr id="2" name="Rectangle: Rounded Corners 1">
+              <a:extLst>
+                <a:ext uri="{FF2B5EF4-FFF2-40B4-BE49-F238E27FC236}">
+                  <a16:creationId xmlns:a16="http://schemas.microsoft.com/office/drawing/2014/main" id="{FF68AAC3-16AD-4C9E-AB43-A81C7B2FEF7B}"/>
+                </a:ext>
+              </a:extLst>
+            </p:cNvPr>
+            <p:cNvSpPr/>
+            <p:nvPr/>
+          </p:nvSpPr>
+          <p:spPr>
+            <a:xfrm>
+              <a:off x="1061208" y="1696253"/>
+              <a:ext cx="5835315" cy="1732547"/>
+            </a:xfrm>
+            <a:prstGeom prst="roundRect">
+              <a:avLst>
+                <a:gd name="adj" fmla="val 0"/>
+              </a:avLst>
+            </a:prstGeom>
+            <a:solidFill>
+              <a:srgbClr val="0FCA42"/>
+            </a:solidFill>
+            <a:ln>
+              <a:noFill/>
+            </a:ln>
+          </p:spPr>
+          <p:style>
+            <a:lnRef idx="2">
+              <a:schemeClr val="accent1">
+                <a:shade val="50000"/>
+              </a:schemeClr>
+            </a:lnRef>
+            <a:fillRef idx="1">
+              <a:schemeClr val="accent1"/>
+            </a:fillRef>
+            <a:effectRef idx="0">
+              <a:schemeClr val="accent1"/>
+            </a:effectRef>
+            <a:fontRef idx="minor">
+              <a:schemeClr val="lt1"/>
+            </a:fontRef>
+          </p:style>
+          <p:txBody>
+            <a:bodyPr rtlCol="0" anchor="ctr"/>
+            <a:lstStyle/>
+            <a:p>
+              <a:pPr algn="ctr"/>
+              <a:endParaRPr lang="en-US" dirty="0"/>
+            </a:p>
+          </p:txBody>
+        </p:sp>
+        <p:sp>
+          <p:nvSpPr>
+            <p:cNvPr id="8" name="Rectangle: Rounded Corners 7">
+              <a:extLst>
+                <a:ext uri="{FF2B5EF4-FFF2-40B4-BE49-F238E27FC236}">
+                  <a16:creationId xmlns:a16="http://schemas.microsoft.com/office/drawing/2014/main" id="{8760785F-8473-477B-A504-0838089B1297}"/>
+                </a:ext>
+              </a:extLst>
+            </p:cNvPr>
+            <p:cNvSpPr/>
+            <p:nvPr/>
+          </p:nvSpPr>
+          <p:spPr>
+            <a:xfrm>
+              <a:off x="1164946" y="1831923"/>
+              <a:ext cx="2342688" cy="1461205"/>
+            </a:xfrm>
+            <a:prstGeom prst="roundRect">
+              <a:avLst>
+                <a:gd name="adj" fmla="val 15278"/>
+              </a:avLst>
+            </a:prstGeom>
+            <a:solidFill>
+              <a:schemeClr val="bg1"/>
+            </a:solidFill>
+            <a:ln>
+              <a:noFill/>
+            </a:ln>
+          </p:spPr>
+          <p:style>
+            <a:lnRef idx="2">
+              <a:schemeClr val="accent1">
+                <a:shade val="50000"/>
+              </a:schemeClr>
+            </a:lnRef>
+            <a:fillRef idx="1">
+              <a:schemeClr val="accent1"/>
+            </a:fillRef>
+            <a:effectRef idx="0">
+              <a:schemeClr val="accent1"/>
+            </a:effectRef>
+            <a:fontRef idx="minor">
+              <a:schemeClr val="lt1"/>
+            </a:fontRef>
+          </p:style>
+          <p:txBody>
+            <a:bodyPr rtlCol="0" anchor="ctr"/>
+            <a:lstStyle/>
+            <a:p>
+              <a:pPr algn="ctr"/>
+              <a:endParaRPr lang="en-US"/>
+            </a:p>
+          </p:txBody>
+        </p:sp>
+        <p:sp>
+          <p:nvSpPr>
+            <p:cNvPr id="9" name="Rectangle: Rounded Corners 8">
+              <a:extLst>
+                <a:ext uri="{FF2B5EF4-FFF2-40B4-BE49-F238E27FC236}">
+                  <a16:creationId xmlns:a16="http://schemas.microsoft.com/office/drawing/2014/main" id="{06939A90-E4D8-4B71-8ABB-2C4B1909AE18}"/>
+                </a:ext>
+              </a:extLst>
+            </p:cNvPr>
+            <p:cNvSpPr/>
+            <p:nvPr/>
+          </p:nvSpPr>
+          <p:spPr>
+            <a:xfrm>
+              <a:off x="1252576" y="1905716"/>
+              <a:ext cx="2167428" cy="1313617"/>
+            </a:xfrm>
+            <a:prstGeom prst="roundRect">
+              <a:avLst>
+                <a:gd name="adj" fmla="val 15278"/>
+              </a:avLst>
+            </a:prstGeom>
+            <a:solidFill>
+              <a:srgbClr val="0FCA42"/>
+            </a:solidFill>
+            <a:ln>
+              <a:noFill/>
+            </a:ln>
+          </p:spPr>
+          <p:style>
+            <a:lnRef idx="2">
+              <a:schemeClr val="accent1">
+                <a:shade val="50000"/>
+              </a:schemeClr>
+            </a:lnRef>
+            <a:fillRef idx="1">
+              <a:schemeClr val="accent1"/>
+            </a:fillRef>
+            <a:effectRef idx="0">
+              <a:schemeClr val="accent1"/>
+            </a:effectRef>
+            <a:fontRef idx="minor">
+              <a:schemeClr val="lt1"/>
+            </a:fontRef>
+          </p:style>
+          <p:txBody>
+            <a:bodyPr rtlCol="0" anchor="ctr"/>
+            <a:lstStyle/>
+            <a:p>
+              <a:pPr algn="ctr"/>
+              <a:endParaRPr lang="en-US"/>
+            </a:p>
+          </p:txBody>
+        </p:sp>
+        <p:sp>
+          <p:nvSpPr>
+            <p:cNvPr id="11" name="Oval 10">
+              <a:extLst>
+                <a:ext uri="{FF2B5EF4-FFF2-40B4-BE49-F238E27FC236}">
+                  <a16:creationId xmlns:a16="http://schemas.microsoft.com/office/drawing/2014/main" id="{C69C6069-7E01-4B35-91BE-0838F18B7B35}"/>
+                </a:ext>
+              </a:extLst>
+            </p:cNvPr>
+            <p:cNvSpPr/>
+            <p:nvPr/>
+          </p:nvSpPr>
+          <p:spPr>
+            <a:xfrm>
+              <a:off x="1375678" y="2099308"/>
+              <a:ext cx="926431" cy="926431"/>
+            </a:xfrm>
+            <a:prstGeom prst="ellipse">
+              <a:avLst/>
+            </a:prstGeom>
+            <a:solidFill>
+              <a:schemeClr val="bg1"/>
+            </a:solidFill>
+            <a:ln>
+              <a:noFill/>
+            </a:ln>
+          </p:spPr>
+          <p:style>
+            <a:lnRef idx="2">
+              <a:schemeClr val="accent1">
+                <a:shade val="50000"/>
+              </a:schemeClr>
+            </a:lnRef>
+            <a:fillRef idx="1">
+              <a:schemeClr val="accent1"/>
+            </a:fillRef>
+            <a:effectRef idx="0">
+              <a:schemeClr val="accent1"/>
+            </a:effectRef>
+            <a:fontRef idx="minor">
+              <a:schemeClr val="lt1"/>
+            </a:fontRef>
+          </p:style>
+          <p:txBody>
+            <a:bodyPr rtlCol="0" anchor="ctr"/>
+            <a:lstStyle/>
+            <a:p>
+              <a:pPr algn="ctr"/>
+              <a:endParaRPr lang="en-US"/>
+            </a:p>
+          </p:txBody>
+        </p:sp>
+        <p:sp>
+          <p:nvSpPr>
+            <p:cNvPr id="13" name="Oval 12">
+              <a:extLst>
+                <a:ext uri="{FF2B5EF4-FFF2-40B4-BE49-F238E27FC236}">
+                  <a16:creationId xmlns:a16="http://schemas.microsoft.com/office/drawing/2014/main" id="{5EEC9A49-6F32-43EE-9AF6-F63FBFD0D562}"/>
+                </a:ext>
+              </a:extLst>
+            </p:cNvPr>
+            <p:cNvSpPr/>
+            <p:nvPr/>
+          </p:nvSpPr>
+          <p:spPr>
+            <a:xfrm>
+              <a:off x="2424174" y="2099308"/>
+              <a:ext cx="926431" cy="926431"/>
+            </a:xfrm>
+            <a:prstGeom prst="ellipse">
+              <a:avLst/>
+            </a:prstGeom>
+            <a:solidFill>
+              <a:schemeClr val="bg1"/>
+            </a:solidFill>
+            <a:ln>
+              <a:noFill/>
+            </a:ln>
+          </p:spPr>
+          <p:style>
+            <a:lnRef idx="2">
+              <a:schemeClr val="accent1">
+                <a:shade val="50000"/>
+              </a:schemeClr>
+            </a:lnRef>
+            <a:fillRef idx="1">
+              <a:schemeClr val="accent1"/>
+            </a:fillRef>
+            <a:effectRef idx="0">
+              <a:schemeClr val="accent1"/>
+            </a:effectRef>
+            <a:fontRef idx="minor">
+              <a:schemeClr val="lt1"/>
+            </a:fontRef>
+          </p:style>
+          <p:txBody>
+            <a:bodyPr rtlCol="0" anchor="ctr"/>
+            <a:lstStyle/>
+            <a:p>
+              <a:pPr algn="ctr"/>
+              <a:endParaRPr lang="en-US"/>
+            </a:p>
+          </p:txBody>
+        </p:sp>
+        <p:sp>
+          <p:nvSpPr>
+            <p:cNvPr id="12" name="Rectangle 11">
+              <a:extLst>
+                <a:ext uri="{FF2B5EF4-FFF2-40B4-BE49-F238E27FC236}">
+                  <a16:creationId xmlns:a16="http://schemas.microsoft.com/office/drawing/2014/main" id="{9466232B-F896-407A-890E-69F326D26B74}"/>
+                </a:ext>
+              </a:extLst>
+            </p:cNvPr>
+            <p:cNvSpPr/>
+            <p:nvPr/>
+          </p:nvSpPr>
+          <p:spPr>
+            <a:xfrm>
+              <a:off x="3472670" y="1454527"/>
+              <a:ext cx="3591048" cy="2215991"/>
+            </a:xfrm>
+            <a:prstGeom prst="rect">
+              <a:avLst/>
+            </a:prstGeom>
+            <a:noFill/>
+          </p:spPr>
+          <p:txBody>
+            <a:bodyPr wrap="none" lIns="91440" tIns="45720" rIns="91440" bIns="45720">
+              <a:spAutoFit/>
+            </a:bodyPr>
+            <a:lstStyle/>
+            <a:p>
+              <a:pPr algn="ctr"/>
+              <a:r>
+                <a:rPr lang="en-US" sz="13800" cap="none" spc="0" dirty="0">
+                  <a:ln w="0"/>
+                  <a:solidFill>
+                    <a:schemeClr val="bg1"/>
+                  </a:solidFill>
+                  <a:effectLst>
+                    <a:outerShdw blurRad="38100" dist="19050" dir="2700000" algn="tl" rotWithShape="0">
+                      <a:schemeClr val="dk1">
+                        <a:alpha val="40000"/>
+                      </a:schemeClr>
+                    </a:outerShdw>
+                  </a:effectLst>
+                  <a:latin typeface="DAGGERSQUARE" pitchFamily="50" charset="0"/>
+                </a:rPr>
+                <a:t>AS8</a:t>
+              </a:r>
+            </a:p>
+          </p:txBody>
+        </p:sp>
+        <p:sp>
+          <p:nvSpPr>
+            <p:cNvPr id="14" name="Rectangle 13">
+              <a:extLst>
+                <a:ext uri="{FF2B5EF4-FFF2-40B4-BE49-F238E27FC236}">
+                  <a16:creationId xmlns:a16="http://schemas.microsoft.com/office/drawing/2014/main" id="{07D4AB7E-F72D-4E64-88C1-036A4DC5E296}"/>
+                </a:ext>
+              </a:extLst>
+            </p:cNvPr>
+            <p:cNvSpPr/>
+            <p:nvPr/>
+          </p:nvSpPr>
+          <p:spPr>
+            <a:xfrm>
+              <a:off x="750746" y="1382343"/>
+              <a:ext cx="1167063" cy="950494"/>
+            </a:xfrm>
+            <a:custGeom>
+              <a:avLst/>
+              <a:gdLst>
+                <a:gd name="connsiteX0" fmla="*/ 0 w 1058779"/>
+                <a:gd name="connsiteY0" fmla="*/ 0 h 926431"/>
+                <a:gd name="connsiteX1" fmla="*/ 1058779 w 1058779"/>
+                <a:gd name="connsiteY1" fmla="*/ 0 h 926431"/>
+                <a:gd name="connsiteX2" fmla="*/ 1058779 w 1058779"/>
+                <a:gd name="connsiteY2" fmla="*/ 926431 h 926431"/>
+                <a:gd name="connsiteX3" fmla="*/ 0 w 1058779"/>
+                <a:gd name="connsiteY3" fmla="*/ 926431 h 926431"/>
+                <a:gd name="connsiteX4" fmla="*/ 0 w 1058779"/>
+                <a:gd name="connsiteY4" fmla="*/ 0 h 926431"/>
+                <a:gd name="connsiteX0" fmla="*/ 0 w 1058779"/>
+                <a:gd name="connsiteY0" fmla="*/ 0 h 926431"/>
+                <a:gd name="connsiteX1" fmla="*/ 1058779 w 1058779"/>
+                <a:gd name="connsiteY1" fmla="*/ 0 h 926431"/>
+                <a:gd name="connsiteX2" fmla="*/ 192505 w 1058779"/>
+                <a:gd name="connsiteY2" fmla="*/ 252663 h 926431"/>
+                <a:gd name="connsiteX3" fmla="*/ 0 w 1058779"/>
+                <a:gd name="connsiteY3" fmla="*/ 926431 h 926431"/>
+                <a:gd name="connsiteX4" fmla="*/ 0 w 1058779"/>
+                <a:gd name="connsiteY4" fmla="*/ 0 h 926431"/>
+                <a:gd name="connsiteX0" fmla="*/ 0 w 1058779"/>
+                <a:gd name="connsiteY0" fmla="*/ 0 h 926431"/>
+                <a:gd name="connsiteX1" fmla="*/ 1058779 w 1058779"/>
+                <a:gd name="connsiteY1" fmla="*/ 0 h 926431"/>
+                <a:gd name="connsiteX2" fmla="*/ 144379 w 1058779"/>
+                <a:gd name="connsiteY2" fmla="*/ 156411 h 926431"/>
+                <a:gd name="connsiteX3" fmla="*/ 0 w 1058779"/>
+                <a:gd name="connsiteY3" fmla="*/ 926431 h 926431"/>
+                <a:gd name="connsiteX4" fmla="*/ 0 w 1058779"/>
+                <a:gd name="connsiteY4" fmla="*/ 0 h 926431"/>
+                <a:gd name="connsiteX0" fmla="*/ 0 w 1058779"/>
+                <a:gd name="connsiteY0" fmla="*/ 0 h 926431"/>
+                <a:gd name="connsiteX1" fmla="*/ 1058779 w 1058779"/>
+                <a:gd name="connsiteY1" fmla="*/ 0 h 926431"/>
+                <a:gd name="connsiteX2" fmla="*/ 156411 w 1058779"/>
+                <a:gd name="connsiteY2" fmla="*/ 180474 h 926431"/>
+                <a:gd name="connsiteX3" fmla="*/ 0 w 1058779"/>
+                <a:gd name="connsiteY3" fmla="*/ 926431 h 926431"/>
+                <a:gd name="connsiteX4" fmla="*/ 0 w 1058779"/>
+                <a:gd name="connsiteY4" fmla="*/ 0 h 926431"/>
+                <a:gd name="connsiteX0" fmla="*/ 0 w 1058779"/>
+                <a:gd name="connsiteY0" fmla="*/ 0 h 950494"/>
+                <a:gd name="connsiteX1" fmla="*/ 1058779 w 1058779"/>
+                <a:gd name="connsiteY1" fmla="*/ 0 h 950494"/>
+                <a:gd name="connsiteX2" fmla="*/ 156411 w 1058779"/>
+                <a:gd name="connsiteY2" fmla="*/ 180474 h 950494"/>
+                <a:gd name="connsiteX3" fmla="*/ 132348 w 1058779"/>
+                <a:gd name="connsiteY3" fmla="*/ 950494 h 950494"/>
+                <a:gd name="connsiteX4" fmla="*/ 0 w 1058779"/>
+                <a:gd name="connsiteY4" fmla="*/ 0 h 950494"/>
+                <a:gd name="connsiteX0" fmla="*/ 0 w 1167063"/>
+                <a:gd name="connsiteY0" fmla="*/ 0 h 950494"/>
+                <a:gd name="connsiteX1" fmla="*/ 1167063 w 1167063"/>
+                <a:gd name="connsiteY1" fmla="*/ 72190 h 950494"/>
+                <a:gd name="connsiteX2" fmla="*/ 156411 w 1167063"/>
+                <a:gd name="connsiteY2" fmla="*/ 180474 h 950494"/>
+                <a:gd name="connsiteX3" fmla="*/ 132348 w 1167063"/>
+                <a:gd name="connsiteY3" fmla="*/ 950494 h 950494"/>
+                <a:gd name="connsiteX4" fmla="*/ 0 w 1167063"/>
+                <a:gd name="connsiteY4" fmla="*/ 0 h 950494"/>
+              </a:gdLst>
+              <a:ahLst/>
+              <a:cxnLst>
+                <a:cxn ang="0">
+                  <a:pos x="connsiteX0" y="connsiteY0"/>
+                </a:cxn>
+                <a:cxn ang="0">
+                  <a:pos x="connsiteX1" y="connsiteY1"/>
+                </a:cxn>
+                <a:cxn ang="0">
+                  <a:pos x="connsiteX2" y="connsiteY2"/>
+                </a:cxn>
+                <a:cxn ang="0">
+                  <a:pos x="connsiteX3" y="connsiteY3"/>
+                </a:cxn>
+                <a:cxn ang="0">
+                  <a:pos x="connsiteX4" y="connsiteY4"/>
+                </a:cxn>
+              </a:cxnLst>
+              <a:rect l="l" t="t" r="r" b="b"/>
+              <a:pathLst>
+                <a:path w="1167063" h="950494">
+                  <a:moveTo>
+                    <a:pt x="0" y="0"/>
+                  </a:moveTo>
+                  <a:lnTo>
+                    <a:pt x="1167063" y="72190"/>
+                  </a:lnTo>
+                  <a:lnTo>
+                    <a:pt x="156411" y="180474"/>
+                  </a:lnTo>
+                  <a:lnTo>
+                    <a:pt x="132348" y="950494"/>
+                  </a:lnTo>
+                  <a:lnTo>
+                    <a:pt x="0" y="0"/>
+                  </a:lnTo>
+                  <a:close/>
+                </a:path>
+              </a:pathLst>
+            </a:custGeom>
+            <a:solidFill>
+              <a:srgbClr val="0FCA42"/>
+            </a:solidFill>
+            <a:ln>
+              <a:noFill/>
+            </a:ln>
+          </p:spPr>
+          <p:style>
+            <a:lnRef idx="2">
+              <a:schemeClr val="accent1">
+                <a:shade val="50000"/>
+              </a:schemeClr>
+            </a:lnRef>
+            <a:fillRef idx="1">
+              <a:schemeClr val="accent1"/>
+            </a:fillRef>
+            <a:effectRef idx="0">
+              <a:schemeClr val="accent1"/>
+            </a:effectRef>
+            <a:fontRef idx="minor">
+              <a:schemeClr val="lt1"/>
+            </a:fontRef>
+          </p:style>
+          <p:txBody>
+            <a:bodyPr rtlCol="0" anchor="ctr"/>
+            <a:lstStyle/>
+            <a:p>
+              <a:pPr algn="ctr"/>
+              <a:endParaRPr lang="en-US"/>
+            </a:p>
+          </p:txBody>
+        </p:sp>
+        <p:sp>
+          <p:nvSpPr>
+            <p:cNvPr id="16" name="Rectangle 13">
+              <a:extLst>
+                <a:ext uri="{FF2B5EF4-FFF2-40B4-BE49-F238E27FC236}">
+                  <a16:creationId xmlns:a16="http://schemas.microsoft.com/office/drawing/2014/main" id="{9AA60664-205A-40B1-9EB6-36CB3705EDD0}"/>
+                </a:ext>
+              </a:extLst>
+            </p:cNvPr>
+            <p:cNvSpPr/>
+            <p:nvPr/>
+          </p:nvSpPr>
+          <p:spPr>
+            <a:xfrm rot="16570049">
+              <a:off x="895993" y="2832963"/>
+              <a:ext cx="837629" cy="966333"/>
+            </a:xfrm>
+            <a:custGeom>
+              <a:avLst/>
+              <a:gdLst>
+                <a:gd name="connsiteX0" fmla="*/ 0 w 1058779"/>
+                <a:gd name="connsiteY0" fmla="*/ 0 h 926431"/>
+                <a:gd name="connsiteX1" fmla="*/ 1058779 w 1058779"/>
+                <a:gd name="connsiteY1" fmla="*/ 0 h 926431"/>
+                <a:gd name="connsiteX2" fmla="*/ 1058779 w 1058779"/>
+                <a:gd name="connsiteY2" fmla="*/ 926431 h 926431"/>
+                <a:gd name="connsiteX3" fmla="*/ 0 w 1058779"/>
+                <a:gd name="connsiteY3" fmla="*/ 926431 h 926431"/>
+                <a:gd name="connsiteX4" fmla="*/ 0 w 1058779"/>
+                <a:gd name="connsiteY4" fmla="*/ 0 h 926431"/>
+                <a:gd name="connsiteX0" fmla="*/ 0 w 1058779"/>
+                <a:gd name="connsiteY0" fmla="*/ 0 h 926431"/>
+                <a:gd name="connsiteX1" fmla="*/ 1058779 w 1058779"/>
+                <a:gd name="connsiteY1" fmla="*/ 0 h 926431"/>
+                <a:gd name="connsiteX2" fmla="*/ 192505 w 1058779"/>
+                <a:gd name="connsiteY2" fmla="*/ 252663 h 926431"/>
+                <a:gd name="connsiteX3" fmla="*/ 0 w 1058779"/>
+                <a:gd name="connsiteY3" fmla="*/ 926431 h 926431"/>
+                <a:gd name="connsiteX4" fmla="*/ 0 w 1058779"/>
+                <a:gd name="connsiteY4" fmla="*/ 0 h 926431"/>
+                <a:gd name="connsiteX0" fmla="*/ 0 w 1058779"/>
+                <a:gd name="connsiteY0" fmla="*/ 0 h 926431"/>
+                <a:gd name="connsiteX1" fmla="*/ 1058779 w 1058779"/>
+                <a:gd name="connsiteY1" fmla="*/ 0 h 926431"/>
+                <a:gd name="connsiteX2" fmla="*/ 144379 w 1058779"/>
+                <a:gd name="connsiteY2" fmla="*/ 156411 h 926431"/>
+                <a:gd name="connsiteX3" fmla="*/ 0 w 1058779"/>
+                <a:gd name="connsiteY3" fmla="*/ 926431 h 926431"/>
+                <a:gd name="connsiteX4" fmla="*/ 0 w 1058779"/>
+                <a:gd name="connsiteY4" fmla="*/ 0 h 926431"/>
+                <a:gd name="connsiteX0" fmla="*/ 0 w 1058779"/>
+                <a:gd name="connsiteY0" fmla="*/ 0 h 926431"/>
+                <a:gd name="connsiteX1" fmla="*/ 1058779 w 1058779"/>
+                <a:gd name="connsiteY1" fmla="*/ 0 h 926431"/>
+                <a:gd name="connsiteX2" fmla="*/ 156411 w 1058779"/>
+                <a:gd name="connsiteY2" fmla="*/ 180474 h 926431"/>
+                <a:gd name="connsiteX3" fmla="*/ 0 w 1058779"/>
+                <a:gd name="connsiteY3" fmla="*/ 926431 h 926431"/>
+                <a:gd name="connsiteX4" fmla="*/ 0 w 1058779"/>
+                <a:gd name="connsiteY4" fmla="*/ 0 h 926431"/>
+                <a:gd name="connsiteX0" fmla="*/ 0 w 1058779"/>
+                <a:gd name="connsiteY0" fmla="*/ 0 h 950494"/>
+                <a:gd name="connsiteX1" fmla="*/ 1058779 w 1058779"/>
+                <a:gd name="connsiteY1" fmla="*/ 0 h 950494"/>
+                <a:gd name="connsiteX2" fmla="*/ 156411 w 1058779"/>
+                <a:gd name="connsiteY2" fmla="*/ 180474 h 950494"/>
+                <a:gd name="connsiteX3" fmla="*/ 132348 w 1058779"/>
+                <a:gd name="connsiteY3" fmla="*/ 950494 h 950494"/>
+                <a:gd name="connsiteX4" fmla="*/ 0 w 1058779"/>
+                <a:gd name="connsiteY4" fmla="*/ 0 h 950494"/>
+                <a:gd name="connsiteX0" fmla="*/ 0 w 1167063"/>
+                <a:gd name="connsiteY0" fmla="*/ 0 h 950494"/>
+                <a:gd name="connsiteX1" fmla="*/ 1167063 w 1167063"/>
+                <a:gd name="connsiteY1" fmla="*/ 72190 h 950494"/>
+                <a:gd name="connsiteX2" fmla="*/ 156411 w 1167063"/>
+                <a:gd name="connsiteY2" fmla="*/ 180474 h 950494"/>
+                <a:gd name="connsiteX3" fmla="*/ 132348 w 1167063"/>
+                <a:gd name="connsiteY3" fmla="*/ 950494 h 950494"/>
+                <a:gd name="connsiteX4" fmla="*/ 0 w 1167063"/>
+                <a:gd name="connsiteY4" fmla="*/ 0 h 950494"/>
+                <a:gd name="connsiteX0" fmla="*/ 0 w 1167063"/>
+                <a:gd name="connsiteY0" fmla="*/ 0 h 1039727"/>
+                <a:gd name="connsiteX1" fmla="*/ 1167063 w 1167063"/>
+                <a:gd name="connsiteY1" fmla="*/ 72190 h 1039727"/>
+                <a:gd name="connsiteX2" fmla="*/ 156411 w 1167063"/>
+                <a:gd name="connsiteY2" fmla="*/ 180474 h 1039727"/>
+                <a:gd name="connsiteX3" fmla="*/ 202499 w 1167063"/>
+                <a:gd name="connsiteY3" fmla="*/ 1039727 h 1039727"/>
+                <a:gd name="connsiteX4" fmla="*/ 0 w 1167063"/>
+                <a:gd name="connsiteY4" fmla="*/ 0 h 1039727"/>
+                <a:gd name="connsiteX0" fmla="*/ 0 w 942372"/>
+                <a:gd name="connsiteY0" fmla="*/ 0 h 1039727"/>
+                <a:gd name="connsiteX1" fmla="*/ 942372 w 942372"/>
+                <a:gd name="connsiteY1" fmla="*/ 120673 h 1039727"/>
+                <a:gd name="connsiteX2" fmla="*/ 156411 w 942372"/>
+                <a:gd name="connsiteY2" fmla="*/ 180474 h 1039727"/>
+                <a:gd name="connsiteX3" fmla="*/ 202499 w 942372"/>
+                <a:gd name="connsiteY3" fmla="*/ 1039727 h 1039727"/>
+                <a:gd name="connsiteX4" fmla="*/ 0 w 942372"/>
+                <a:gd name="connsiteY4" fmla="*/ 0 h 1039727"/>
+                <a:gd name="connsiteX0" fmla="*/ 0 w 942372"/>
+                <a:gd name="connsiteY0" fmla="*/ 0 h 1039727"/>
+                <a:gd name="connsiteX1" fmla="*/ 942372 w 942372"/>
+                <a:gd name="connsiteY1" fmla="*/ 120673 h 1039727"/>
+                <a:gd name="connsiteX2" fmla="*/ 233352 w 942372"/>
+                <a:gd name="connsiteY2" fmla="*/ 220567 h 1039727"/>
+                <a:gd name="connsiteX3" fmla="*/ 202499 w 942372"/>
+                <a:gd name="connsiteY3" fmla="*/ 1039727 h 1039727"/>
+                <a:gd name="connsiteX4" fmla="*/ 0 w 942372"/>
+                <a:gd name="connsiteY4" fmla="*/ 0 h 1039727"/>
+                <a:gd name="connsiteX0" fmla="*/ 0 w 837629"/>
+                <a:gd name="connsiteY0" fmla="*/ 0 h 966333"/>
+                <a:gd name="connsiteX1" fmla="*/ 837629 w 837629"/>
+                <a:gd name="connsiteY1" fmla="*/ 47279 h 966333"/>
+                <a:gd name="connsiteX2" fmla="*/ 128609 w 837629"/>
+                <a:gd name="connsiteY2" fmla="*/ 147173 h 966333"/>
+                <a:gd name="connsiteX3" fmla="*/ 97756 w 837629"/>
+                <a:gd name="connsiteY3" fmla="*/ 966333 h 966333"/>
+                <a:gd name="connsiteX4" fmla="*/ 0 w 837629"/>
+                <a:gd name="connsiteY4" fmla="*/ 0 h 966333"/>
+              </a:gdLst>
+              <a:ahLst/>
+              <a:cxnLst>
+                <a:cxn ang="0">
+                  <a:pos x="connsiteX0" y="connsiteY0"/>
+                </a:cxn>
+                <a:cxn ang="0">
+                  <a:pos x="connsiteX1" y="connsiteY1"/>
+                </a:cxn>
+                <a:cxn ang="0">
+                  <a:pos x="connsiteX2" y="connsiteY2"/>
+                </a:cxn>
+                <a:cxn ang="0">
+                  <a:pos x="connsiteX3" y="connsiteY3"/>
+                </a:cxn>
+                <a:cxn ang="0">
+                  <a:pos x="connsiteX4" y="connsiteY4"/>
+                </a:cxn>
+              </a:cxnLst>
+              <a:rect l="l" t="t" r="r" b="b"/>
+              <a:pathLst>
+                <a:path w="837629" h="966333">
+                  <a:moveTo>
+                    <a:pt x="0" y="0"/>
+                  </a:moveTo>
+                  <a:lnTo>
+                    <a:pt x="837629" y="47279"/>
+                  </a:lnTo>
+                  <a:lnTo>
+                    <a:pt x="128609" y="147173"/>
+                  </a:lnTo>
+                  <a:lnTo>
+                    <a:pt x="97756" y="966333"/>
+                  </a:lnTo>
+                  <a:lnTo>
+                    <a:pt x="0" y="0"/>
+                  </a:lnTo>
+                  <a:close/>
+                </a:path>
+              </a:pathLst>
+            </a:custGeom>
+            <a:solidFill>
+              <a:srgbClr val="0FCA42"/>
+            </a:solidFill>
+            <a:ln>
+              <a:noFill/>
+            </a:ln>
+          </p:spPr>
+          <p:style>
+            <a:lnRef idx="2">
+              <a:schemeClr val="accent1">
+                <a:shade val="50000"/>
+              </a:schemeClr>
+            </a:lnRef>
+            <a:fillRef idx="1">
+              <a:schemeClr val="accent1"/>
+            </a:fillRef>
+            <a:effectRef idx="0">
+              <a:schemeClr val="accent1"/>
+            </a:effectRef>
+            <a:fontRef idx="minor">
+              <a:schemeClr val="lt1"/>
+            </a:fontRef>
+          </p:style>
+          <p:txBody>
+            <a:bodyPr rtlCol="0" anchor="ctr"/>
+            <a:lstStyle/>
+            <a:p>
+              <a:pPr algn="ctr"/>
+              <a:endParaRPr lang="en-US"/>
+            </a:p>
+          </p:txBody>
+        </p:sp>
+        <p:sp>
+          <p:nvSpPr>
+            <p:cNvPr id="19" name="Rectangle 13">
+              <a:extLst>
+                <a:ext uri="{FF2B5EF4-FFF2-40B4-BE49-F238E27FC236}">
+                  <a16:creationId xmlns:a16="http://schemas.microsoft.com/office/drawing/2014/main" id="{9587D5B4-C349-480B-BADB-58F2E9F90CC3}"/>
+                </a:ext>
+              </a:extLst>
+            </p:cNvPr>
+            <p:cNvSpPr/>
+            <p:nvPr/>
+          </p:nvSpPr>
+          <p:spPr>
+            <a:xfrm rot="5826753">
+              <a:off x="5980701" y="1289011"/>
+              <a:ext cx="1167063" cy="1190785"/>
+            </a:xfrm>
+            <a:custGeom>
+              <a:avLst/>
+              <a:gdLst>
+                <a:gd name="connsiteX0" fmla="*/ 0 w 1058779"/>
+                <a:gd name="connsiteY0" fmla="*/ 0 h 926431"/>
+                <a:gd name="connsiteX1" fmla="*/ 1058779 w 1058779"/>
+                <a:gd name="connsiteY1" fmla="*/ 0 h 926431"/>
+                <a:gd name="connsiteX2" fmla="*/ 1058779 w 1058779"/>
+                <a:gd name="connsiteY2" fmla="*/ 926431 h 926431"/>
+                <a:gd name="connsiteX3" fmla="*/ 0 w 1058779"/>
+                <a:gd name="connsiteY3" fmla="*/ 926431 h 926431"/>
+                <a:gd name="connsiteX4" fmla="*/ 0 w 1058779"/>
+                <a:gd name="connsiteY4" fmla="*/ 0 h 926431"/>
+                <a:gd name="connsiteX0" fmla="*/ 0 w 1058779"/>
+                <a:gd name="connsiteY0" fmla="*/ 0 h 926431"/>
+                <a:gd name="connsiteX1" fmla="*/ 1058779 w 1058779"/>
+                <a:gd name="connsiteY1" fmla="*/ 0 h 926431"/>
+                <a:gd name="connsiteX2" fmla="*/ 192505 w 1058779"/>
+                <a:gd name="connsiteY2" fmla="*/ 252663 h 926431"/>
+                <a:gd name="connsiteX3" fmla="*/ 0 w 1058779"/>
+                <a:gd name="connsiteY3" fmla="*/ 926431 h 926431"/>
+                <a:gd name="connsiteX4" fmla="*/ 0 w 1058779"/>
+                <a:gd name="connsiteY4" fmla="*/ 0 h 926431"/>
+                <a:gd name="connsiteX0" fmla="*/ 0 w 1058779"/>
+                <a:gd name="connsiteY0" fmla="*/ 0 h 926431"/>
+                <a:gd name="connsiteX1" fmla="*/ 1058779 w 1058779"/>
+                <a:gd name="connsiteY1" fmla="*/ 0 h 926431"/>
+                <a:gd name="connsiteX2" fmla="*/ 144379 w 1058779"/>
+                <a:gd name="connsiteY2" fmla="*/ 156411 h 926431"/>
+                <a:gd name="connsiteX3" fmla="*/ 0 w 1058779"/>
+                <a:gd name="connsiteY3" fmla="*/ 926431 h 926431"/>
+                <a:gd name="connsiteX4" fmla="*/ 0 w 1058779"/>
+                <a:gd name="connsiteY4" fmla="*/ 0 h 926431"/>
+                <a:gd name="connsiteX0" fmla="*/ 0 w 1058779"/>
+                <a:gd name="connsiteY0" fmla="*/ 0 h 926431"/>
+                <a:gd name="connsiteX1" fmla="*/ 1058779 w 1058779"/>
+                <a:gd name="connsiteY1" fmla="*/ 0 h 926431"/>
+                <a:gd name="connsiteX2" fmla="*/ 156411 w 1058779"/>
+                <a:gd name="connsiteY2" fmla="*/ 180474 h 926431"/>
+                <a:gd name="connsiteX3" fmla="*/ 0 w 1058779"/>
+                <a:gd name="connsiteY3" fmla="*/ 926431 h 926431"/>
+                <a:gd name="connsiteX4" fmla="*/ 0 w 1058779"/>
+                <a:gd name="connsiteY4" fmla="*/ 0 h 926431"/>
+                <a:gd name="connsiteX0" fmla="*/ 0 w 1058779"/>
+                <a:gd name="connsiteY0" fmla="*/ 0 h 950494"/>
+                <a:gd name="connsiteX1" fmla="*/ 1058779 w 1058779"/>
+                <a:gd name="connsiteY1" fmla="*/ 0 h 950494"/>
+                <a:gd name="connsiteX2" fmla="*/ 156411 w 1058779"/>
+                <a:gd name="connsiteY2" fmla="*/ 180474 h 950494"/>
+                <a:gd name="connsiteX3" fmla="*/ 132348 w 1058779"/>
+                <a:gd name="connsiteY3" fmla="*/ 950494 h 950494"/>
+                <a:gd name="connsiteX4" fmla="*/ 0 w 1058779"/>
+                <a:gd name="connsiteY4" fmla="*/ 0 h 950494"/>
+                <a:gd name="connsiteX0" fmla="*/ 0 w 1167063"/>
+                <a:gd name="connsiteY0" fmla="*/ 0 h 950494"/>
+                <a:gd name="connsiteX1" fmla="*/ 1167063 w 1167063"/>
+                <a:gd name="connsiteY1" fmla="*/ 72190 h 950494"/>
+                <a:gd name="connsiteX2" fmla="*/ 156411 w 1167063"/>
+                <a:gd name="connsiteY2" fmla="*/ 180474 h 950494"/>
+                <a:gd name="connsiteX3" fmla="*/ 132348 w 1167063"/>
+                <a:gd name="connsiteY3" fmla="*/ 950494 h 950494"/>
+                <a:gd name="connsiteX4" fmla="*/ 0 w 1167063"/>
+                <a:gd name="connsiteY4" fmla="*/ 0 h 950494"/>
+                <a:gd name="connsiteX0" fmla="*/ 0 w 1167063"/>
+                <a:gd name="connsiteY0" fmla="*/ 0 h 1190785"/>
+                <a:gd name="connsiteX1" fmla="*/ 1167063 w 1167063"/>
+                <a:gd name="connsiteY1" fmla="*/ 72190 h 1190785"/>
+                <a:gd name="connsiteX2" fmla="*/ 156411 w 1167063"/>
+                <a:gd name="connsiteY2" fmla="*/ 180474 h 1190785"/>
+                <a:gd name="connsiteX3" fmla="*/ 247206 w 1167063"/>
+                <a:gd name="connsiteY3" fmla="*/ 1190785 h 1190785"/>
+                <a:gd name="connsiteX4" fmla="*/ 0 w 1167063"/>
+                <a:gd name="connsiteY4" fmla="*/ 0 h 1190785"/>
+              </a:gdLst>
+              <a:ahLst/>
+              <a:cxnLst>
+                <a:cxn ang="0">
+                  <a:pos x="connsiteX0" y="connsiteY0"/>
+                </a:cxn>
+                <a:cxn ang="0">
+                  <a:pos x="connsiteX1" y="connsiteY1"/>
+                </a:cxn>
+                <a:cxn ang="0">
+                  <a:pos x="connsiteX2" y="connsiteY2"/>
+                </a:cxn>
+                <a:cxn ang="0">
+                  <a:pos x="connsiteX3" y="connsiteY3"/>
+                </a:cxn>
+                <a:cxn ang="0">
+                  <a:pos x="connsiteX4" y="connsiteY4"/>
+                </a:cxn>
+              </a:cxnLst>
+              <a:rect l="l" t="t" r="r" b="b"/>
+              <a:pathLst>
+                <a:path w="1167063" h="1190785">
+                  <a:moveTo>
+                    <a:pt x="0" y="0"/>
+                  </a:moveTo>
+                  <a:lnTo>
+                    <a:pt x="1167063" y="72190"/>
+                  </a:lnTo>
+                  <a:lnTo>
+                    <a:pt x="156411" y="180474"/>
+                  </a:lnTo>
+                  <a:lnTo>
+                    <a:pt x="247206" y="1190785"/>
+                  </a:lnTo>
+                  <a:lnTo>
+                    <a:pt x="0" y="0"/>
+                  </a:lnTo>
+                  <a:close/>
+                </a:path>
+              </a:pathLst>
+            </a:custGeom>
+            <a:solidFill>
+              <a:srgbClr val="0FCA42"/>
+            </a:solidFill>
+            <a:ln>
+              <a:noFill/>
+            </a:ln>
+          </p:spPr>
+          <p:style>
+            <a:lnRef idx="2">
+              <a:schemeClr val="accent1">
+                <a:shade val="50000"/>
+              </a:schemeClr>
+            </a:lnRef>
+            <a:fillRef idx="1">
+              <a:schemeClr val="accent1"/>
+            </a:fillRef>
+            <a:effectRef idx="0">
+              <a:schemeClr val="accent1"/>
+            </a:effectRef>
+            <a:fontRef idx="minor">
+              <a:schemeClr val="lt1"/>
+            </a:fontRef>
+          </p:style>
+          <p:txBody>
+            <a:bodyPr rtlCol="0" anchor="ctr"/>
+            <a:lstStyle/>
+            <a:p>
+              <a:pPr algn="ctr"/>
+              <a:endParaRPr lang="en-US"/>
+            </a:p>
+          </p:txBody>
+        </p:sp>
+        <p:sp>
+          <p:nvSpPr>
+            <p:cNvPr id="20" name="Rectangle 13">
+              <a:extLst>
+                <a:ext uri="{FF2B5EF4-FFF2-40B4-BE49-F238E27FC236}">
+                  <a16:creationId xmlns:a16="http://schemas.microsoft.com/office/drawing/2014/main" id="{061485A2-0BD6-4D66-811E-DCBA4C47048D}"/>
+                </a:ext>
+              </a:extLst>
+            </p:cNvPr>
+            <p:cNvSpPr/>
+            <p:nvPr/>
+          </p:nvSpPr>
+          <p:spPr>
+            <a:xfrm rot="11067546">
+              <a:off x="6122770" y="2900718"/>
+              <a:ext cx="1070167" cy="784820"/>
+            </a:xfrm>
+            <a:custGeom>
+              <a:avLst/>
+              <a:gdLst>
+                <a:gd name="connsiteX0" fmla="*/ 0 w 1058779"/>
+                <a:gd name="connsiteY0" fmla="*/ 0 h 926431"/>
+                <a:gd name="connsiteX1" fmla="*/ 1058779 w 1058779"/>
+                <a:gd name="connsiteY1" fmla="*/ 0 h 926431"/>
+                <a:gd name="connsiteX2" fmla="*/ 1058779 w 1058779"/>
+                <a:gd name="connsiteY2" fmla="*/ 926431 h 926431"/>
+                <a:gd name="connsiteX3" fmla="*/ 0 w 1058779"/>
+                <a:gd name="connsiteY3" fmla="*/ 926431 h 926431"/>
+                <a:gd name="connsiteX4" fmla="*/ 0 w 1058779"/>
+                <a:gd name="connsiteY4" fmla="*/ 0 h 926431"/>
+                <a:gd name="connsiteX0" fmla="*/ 0 w 1058779"/>
+                <a:gd name="connsiteY0" fmla="*/ 0 h 926431"/>
+                <a:gd name="connsiteX1" fmla="*/ 1058779 w 1058779"/>
+                <a:gd name="connsiteY1" fmla="*/ 0 h 926431"/>
+                <a:gd name="connsiteX2" fmla="*/ 192505 w 1058779"/>
+                <a:gd name="connsiteY2" fmla="*/ 252663 h 926431"/>
+                <a:gd name="connsiteX3" fmla="*/ 0 w 1058779"/>
+                <a:gd name="connsiteY3" fmla="*/ 926431 h 926431"/>
+                <a:gd name="connsiteX4" fmla="*/ 0 w 1058779"/>
+                <a:gd name="connsiteY4" fmla="*/ 0 h 926431"/>
+                <a:gd name="connsiteX0" fmla="*/ 0 w 1058779"/>
+                <a:gd name="connsiteY0" fmla="*/ 0 h 926431"/>
+                <a:gd name="connsiteX1" fmla="*/ 1058779 w 1058779"/>
+                <a:gd name="connsiteY1" fmla="*/ 0 h 926431"/>
+                <a:gd name="connsiteX2" fmla="*/ 144379 w 1058779"/>
+                <a:gd name="connsiteY2" fmla="*/ 156411 h 926431"/>
+                <a:gd name="connsiteX3" fmla="*/ 0 w 1058779"/>
+                <a:gd name="connsiteY3" fmla="*/ 926431 h 926431"/>
+                <a:gd name="connsiteX4" fmla="*/ 0 w 1058779"/>
+                <a:gd name="connsiteY4" fmla="*/ 0 h 926431"/>
+                <a:gd name="connsiteX0" fmla="*/ 0 w 1058779"/>
+                <a:gd name="connsiteY0" fmla="*/ 0 h 926431"/>
+                <a:gd name="connsiteX1" fmla="*/ 1058779 w 1058779"/>
+                <a:gd name="connsiteY1" fmla="*/ 0 h 926431"/>
+                <a:gd name="connsiteX2" fmla="*/ 156411 w 1058779"/>
+                <a:gd name="connsiteY2" fmla="*/ 180474 h 926431"/>
+                <a:gd name="connsiteX3" fmla="*/ 0 w 1058779"/>
+                <a:gd name="connsiteY3" fmla="*/ 926431 h 926431"/>
+                <a:gd name="connsiteX4" fmla="*/ 0 w 1058779"/>
+                <a:gd name="connsiteY4" fmla="*/ 0 h 926431"/>
+                <a:gd name="connsiteX0" fmla="*/ 0 w 1058779"/>
+                <a:gd name="connsiteY0" fmla="*/ 0 h 950494"/>
+                <a:gd name="connsiteX1" fmla="*/ 1058779 w 1058779"/>
+                <a:gd name="connsiteY1" fmla="*/ 0 h 950494"/>
+                <a:gd name="connsiteX2" fmla="*/ 156411 w 1058779"/>
+                <a:gd name="connsiteY2" fmla="*/ 180474 h 950494"/>
+                <a:gd name="connsiteX3" fmla="*/ 132348 w 1058779"/>
+                <a:gd name="connsiteY3" fmla="*/ 950494 h 950494"/>
+                <a:gd name="connsiteX4" fmla="*/ 0 w 1058779"/>
+                <a:gd name="connsiteY4" fmla="*/ 0 h 950494"/>
+                <a:gd name="connsiteX0" fmla="*/ 0 w 1167063"/>
+                <a:gd name="connsiteY0" fmla="*/ 0 h 950494"/>
+                <a:gd name="connsiteX1" fmla="*/ 1167063 w 1167063"/>
+                <a:gd name="connsiteY1" fmla="*/ 72190 h 950494"/>
+                <a:gd name="connsiteX2" fmla="*/ 156411 w 1167063"/>
+                <a:gd name="connsiteY2" fmla="*/ 180474 h 950494"/>
+                <a:gd name="connsiteX3" fmla="*/ 132348 w 1167063"/>
+                <a:gd name="connsiteY3" fmla="*/ 950494 h 950494"/>
+                <a:gd name="connsiteX4" fmla="*/ 0 w 1167063"/>
+                <a:gd name="connsiteY4" fmla="*/ 0 h 950494"/>
+                <a:gd name="connsiteX0" fmla="*/ 0 w 1167063"/>
+                <a:gd name="connsiteY0" fmla="*/ 0 h 1190785"/>
+                <a:gd name="connsiteX1" fmla="*/ 1167063 w 1167063"/>
+                <a:gd name="connsiteY1" fmla="*/ 72190 h 1190785"/>
+                <a:gd name="connsiteX2" fmla="*/ 156411 w 1167063"/>
+                <a:gd name="connsiteY2" fmla="*/ 180474 h 1190785"/>
+                <a:gd name="connsiteX3" fmla="*/ 247206 w 1167063"/>
+                <a:gd name="connsiteY3" fmla="*/ 1190785 h 1190785"/>
+                <a:gd name="connsiteX4" fmla="*/ 0 w 1167063"/>
+                <a:gd name="connsiteY4" fmla="*/ 0 h 1190785"/>
+                <a:gd name="connsiteX0" fmla="*/ 0 w 1167063"/>
+                <a:gd name="connsiteY0" fmla="*/ 0 h 789332"/>
+                <a:gd name="connsiteX1" fmla="*/ 1167063 w 1167063"/>
+                <a:gd name="connsiteY1" fmla="*/ 72190 h 789332"/>
+                <a:gd name="connsiteX2" fmla="*/ 156411 w 1167063"/>
+                <a:gd name="connsiteY2" fmla="*/ 180474 h 789332"/>
+                <a:gd name="connsiteX3" fmla="*/ 288308 w 1167063"/>
+                <a:gd name="connsiteY3" fmla="*/ 789332 h 789332"/>
+                <a:gd name="connsiteX4" fmla="*/ 0 w 1167063"/>
+                <a:gd name="connsiteY4" fmla="*/ 0 h 789332"/>
+                <a:gd name="connsiteX0" fmla="*/ 0 w 1167063"/>
+                <a:gd name="connsiteY0" fmla="*/ 0 h 789332"/>
+                <a:gd name="connsiteX1" fmla="*/ 1167063 w 1167063"/>
+                <a:gd name="connsiteY1" fmla="*/ 72190 h 789332"/>
+                <a:gd name="connsiteX2" fmla="*/ 237571 w 1167063"/>
+                <a:gd name="connsiteY2" fmla="*/ 137941 h 789332"/>
+                <a:gd name="connsiteX3" fmla="*/ 288308 w 1167063"/>
+                <a:gd name="connsiteY3" fmla="*/ 789332 h 789332"/>
+                <a:gd name="connsiteX4" fmla="*/ 0 w 1167063"/>
+                <a:gd name="connsiteY4" fmla="*/ 0 h 789332"/>
+                <a:gd name="connsiteX0" fmla="*/ 0 w 1070167"/>
+                <a:gd name="connsiteY0" fmla="*/ 0 h 784820"/>
+                <a:gd name="connsiteX1" fmla="*/ 1070167 w 1070167"/>
+                <a:gd name="connsiteY1" fmla="*/ 67678 h 784820"/>
+                <a:gd name="connsiteX2" fmla="*/ 140675 w 1070167"/>
+                <a:gd name="connsiteY2" fmla="*/ 133429 h 784820"/>
+                <a:gd name="connsiteX3" fmla="*/ 191412 w 1070167"/>
+                <a:gd name="connsiteY3" fmla="*/ 784820 h 784820"/>
+                <a:gd name="connsiteX4" fmla="*/ 0 w 1070167"/>
+                <a:gd name="connsiteY4" fmla="*/ 0 h 784820"/>
+              </a:gdLst>
+              <a:ahLst/>
+              <a:cxnLst>
+                <a:cxn ang="0">
+                  <a:pos x="connsiteX0" y="connsiteY0"/>
+                </a:cxn>
+                <a:cxn ang="0">
+                  <a:pos x="connsiteX1" y="connsiteY1"/>
+                </a:cxn>
+                <a:cxn ang="0">
+                  <a:pos x="connsiteX2" y="connsiteY2"/>
+                </a:cxn>
+                <a:cxn ang="0">
+                  <a:pos x="connsiteX3" y="connsiteY3"/>
+                </a:cxn>
+                <a:cxn ang="0">
+                  <a:pos x="connsiteX4" y="connsiteY4"/>
+                </a:cxn>
+              </a:cxnLst>
+              <a:rect l="l" t="t" r="r" b="b"/>
+              <a:pathLst>
+                <a:path w="1070167" h="784820">
+                  <a:moveTo>
+                    <a:pt x="0" y="0"/>
+                  </a:moveTo>
+                  <a:lnTo>
+                    <a:pt x="1070167" y="67678"/>
+                  </a:lnTo>
+                  <a:lnTo>
+                    <a:pt x="140675" y="133429"/>
+                  </a:lnTo>
+                  <a:lnTo>
+                    <a:pt x="191412" y="784820"/>
+                  </a:lnTo>
+                  <a:lnTo>
+                    <a:pt x="0" y="0"/>
+                  </a:lnTo>
+                  <a:close/>
+                </a:path>
+              </a:pathLst>
+            </a:custGeom>
+            <a:solidFill>
+              <a:srgbClr val="0FCA42"/>
+            </a:solidFill>
+            <a:ln>
+              <a:noFill/>
+            </a:ln>
+          </p:spPr>
+          <p:style>
+            <a:lnRef idx="2">
+              <a:schemeClr val="accent1">
+                <a:shade val="50000"/>
+              </a:schemeClr>
+            </a:lnRef>
+            <a:fillRef idx="1">
+              <a:schemeClr val="accent1"/>
+            </a:fillRef>
+            <a:effectRef idx="0">
+              <a:schemeClr val="accent1"/>
+            </a:effectRef>
+            <a:fontRef idx="minor">
+              <a:schemeClr val="lt1"/>
+            </a:fontRef>
+          </p:style>
+          <p:txBody>
+            <a:bodyPr rtlCol="0" anchor="ctr"/>
+            <a:lstStyle/>
+            <a:p>
+              <a:pPr algn="ctr"/>
+              <a:endParaRPr lang="en-US"/>
+            </a:p>
+          </p:txBody>
+        </p:sp>
+      </p:grpSp>
       <p:pic>
         <p:nvPicPr>
-          <p:cNvPr id="15" name="Picture 14">
-            <a:extLst>
-              <a:ext uri="{FF2B5EF4-FFF2-40B4-BE49-F238E27FC236}">
-                <a16:creationId xmlns:a16="http://schemas.microsoft.com/office/drawing/2014/main" id="{1A76F980-066E-43CD-A094-9F41ABAFA250}"/>
+          <p:cNvPr id="29" name="Picture 28">
+            <a:extLst>
+              <a:ext uri="{FF2B5EF4-FFF2-40B4-BE49-F238E27FC236}">
+                <a16:creationId xmlns:a16="http://schemas.microsoft.com/office/drawing/2014/main" id="{2A53931F-A676-4C2E-8AE4-6455ABFA65B8}"/>
               </a:ext>
             </a:extLst>
           </p:cNvPr>
@@ -3516,22 +4991,66 @@
           </p:cNvPicPr>
           <p:nvPr/>
         </p:nvPicPr>
-        <p:blipFill>
-          <a:blip r:embed="rId5">
-            <a:extLst>
+        <p:blipFill rotWithShape="1">
+          <a:blip r:embed="rId6">
+            <a:biLevel thresh="75000"/>
+            <a:extLst>
+              <a:ext uri="{BEBA8EAE-BF5A-486C-A8C5-ECC9F3942E4B}">
+                <a14:imgProps xmlns:a14="http://schemas.microsoft.com/office/drawing/2010/main">
+                  <a14:imgLayer r:embed="rId7">
+                    <a14:imgEffect>
+                      <a14:brightnessContrast bright="20000" contrast="-40000"/>
+                    </a14:imgEffect>
+                  </a14:imgLayer>
+                </a14:imgProps>
+              </a:ext>
               <a:ext uri="{28A0092B-C50C-407E-A947-70E740481C1C}">
                 <a14:useLocalDpi xmlns:a14="http://schemas.microsoft.com/office/drawing/2010/main" val="0"/>
               </a:ext>
             </a:extLst>
           </a:blip>
-          <a:stretch>
-            <a:fillRect/>
-          </a:stretch>
+          <a:srcRect t="10601" r="10853" b="24910"/>
+          <a:stretch/>
         </p:blipFill>
         <p:spPr>
           <a:xfrm>
-            <a:off x="9108826" y="2011679"/>
-            <a:ext cx="1908626" cy="1945448"/>
+            <a:off x="4373772" y="5895474"/>
+            <a:ext cx="545121" cy="204536"/>
+          </a:xfrm>
+          <a:prstGeom prst="rect">
+            <a:avLst/>
+          </a:prstGeom>
+        </p:spPr>
+      </p:pic>
+      <p:pic>
+        <p:nvPicPr>
+          <p:cNvPr id="17" name="Picture 16">
+            <a:extLst>
+              <a:ext uri="{FF2B5EF4-FFF2-40B4-BE49-F238E27FC236}">
+                <a16:creationId xmlns:a16="http://schemas.microsoft.com/office/drawing/2014/main" id="{F474EF39-A35D-472B-B99F-81B7871BA3C1}"/>
+              </a:ext>
+            </a:extLst>
+          </p:cNvPr>
+          <p:cNvPicPr>
+            <a:picLocks noChangeAspect="1"/>
+          </p:cNvPicPr>
+          <p:nvPr/>
+        </p:nvPicPr>
+        <p:blipFill rotWithShape="1">
+          <a:blip r:embed="rId8">
+            <a:extLst>
+              <a:ext uri="{28A0092B-C50C-407E-A947-70E740481C1C}">
+                <a14:useLocalDpi xmlns:a14="http://schemas.microsoft.com/office/drawing/2010/main" val="0"/>
+              </a:ext>
+            </a:extLst>
+          </a:blip>
+          <a:srcRect t="9805" r="11333" b="25216"/>
+          <a:stretch/>
+        </p:blipFill>
+        <p:spPr>
+          <a:xfrm>
+            <a:off x="4979987" y="5887853"/>
+            <a:ext cx="558159" cy="212157"/>
           </a:xfrm>
           <a:prstGeom prst="rect">
             <a:avLst/>
@@ -3997,7 +5516,7 @@
         </p:nvGrpSpPr>
         <p:grpSpPr>
           <a:xfrm>
-            <a:off x="2338904" y="1213631"/>
+            <a:off x="4275988" y="2573199"/>
             <a:ext cx="8957453" cy="4430736"/>
             <a:chOff x="2338904" y="1213631"/>
             <a:chExt cx="8957453" cy="4430736"/>
@@ -4228,6 +5747,101 @@
           </p:sp>
         </p:grpSp>
       </p:grpSp>
+      <p:pic>
+        <p:nvPicPr>
+          <p:cNvPr id="8" name="Picture 7">
+            <a:extLst>
+              <a:ext uri="{FF2B5EF4-FFF2-40B4-BE49-F238E27FC236}">
+                <a16:creationId xmlns:a16="http://schemas.microsoft.com/office/drawing/2014/main" id="{961AB808-6CB2-418A-B097-D3D9886CE9BD}"/>
+              </a:ext>
+            </a:extLst>
+          </p:cNvPr>
+          <p:cNvPicPr>
+            <a:picLocks noChangeAspect="1"/>
+          </p:cNvPicPr>
+          <p:nvPr/>
+        </p:nvPicPr>
+        <p:blipFill rotWithShape="1">
+          <a:blip r:embed="rId3">
+            <a:extLst>
+              <a:ext uri="{28A0092B-C50C-407E-A947-70E740481C1C}">
+                <a14:useLocalDpi xmlns:a14="http://schemas.microsoft.com/office/drawing/2010/main" val="0"/>
+              </a:ext>
+            </a:extLst>
+          </a:blip>
+          <a:srcRect t="5836" b="5836"/>
+          <a:stretch/>
+        </p:blipFill>
+        <p:spPr>
+          <a:xfrm>
+            <a:off x="2160713" y="0"/>
+            <a:ext cx="8957453" cy="4430736"/>
+          </a:xfrm>
+          <a:prstGeom prst="rect">
+            <a:avLst/>
+          </a:prstGeom>
+        </p:spPr>
+      </p:pic>
+      <p:sp>
+        <p:nvSpPr>
+          <p:cNvPr id="9" name="Rectangle 8">
+            <a:extLst>
+              <a:ext uri="{FF2B5EF4-FFF2-40B4-BE49-F238E27FC236}">
+                <a16:creationId xmlns:a16="http://schemas.microsoft.com/office/drawing/2014/main" id="{7CBFCC2E-D0B7-4390-88B0-427DF1578855}"/>
+              </a:ext>
+            </a:extLst>
+          </p:cNvPr>
+          <p:cNvSpPr/>
+          <p:nvPr/>
+        </p:nvSpPr>
+        <p:spPr>
+          <a:xfrm>
+            <a:off x="-813370" y="1767083"/>
+            <a:ext cx="8957453" cy="4430736"/>
+          </a:xfrm>
+          <a:prstGeom prst="rect">
+            <a:avLst/>
+          </a:prstGeom>
+          <a:solidFill>
+            <a:schemeClr val="bg1"/>
+          </a:solidFill>
+          <a:ln>
+            <a:noFill/>
+          </a:ln>
+        </p:spPr>
+        <p:style>
+          <a:lnRef idx="2">
+            <a:schemeClr val="accent1">
+              <a:shade val="50000"/>
+            </a:schemeClr>
+          </a:lnRef>
+          <a:fillRef idx="1">
+            <a:schemeClr val="accent1"/>
+          </a:fillRef>
+          <a:effectRef idx="0">
+            <a:schemeClr val="accent1"/>
+          </a:effectRef>
+          <a:fontRef idx="minor">
+            <a:schemeClr val="lt1"/>
+          </a:fontRef>
+        </p:style>
+        <p:txBody>
+          <a:bodyPr rtlCol="0" anchor="ctr"/>
+          <a:lstStyle/>
+          <a:p>
+            <a:pPr algn="ctr"/>
+            <a:r>
+              <a:rPr lang="en-US" sz="6000" dirty="0">
+                <a:solidFill>
+                  <a:schemeClr val="tx1"/>
+                </a:solidFill>
+                <a:latin typeface="Georgia" panose="02040502050405020303" pitchFamily="18" charset="0"/>
+              </a:rPr>
+              <a:t>Coming Soon!!!</a:t>
+            </a:r>
+          </a:p>
+        </p:txBody>
+      </p:sp>
     </p:spTree>
     <p:extLst>
       <p:ext uri="{BB962C8B-B14F-4D97-AF65-F5344CB8AC3E}">
@@ -4332,6 +5946,168 @@
     <p:extLst>
       <p:ext uri="{BB962C8B-B14F-4D97-AF65-F5344CB8AC3E}">
         <p14:creationId xmlns:p14="http://schemas.microsoft.com/office/powerpoint/2010/main" val="2534876725"/>
+      </p:ext>
+    </p:extLst>
+  </p:cSld>
+  <p:clrMapOvr>
+    <a:masterClrMapping/>
+  </p:clrMapOvr>
+</p:sld>
+</file>
+
+<file path=ppt/slides/slide5.xml><?xml version="1.0" encoding="utf-8"?>
+<p:sld xmlns:a="http://schemas.openxmlformats.org/drawingml/2006/main" xmlns:r="http://schemas.openxmlformats.org/officeDocument/2006/relationships" xmlns:p="http://schemas.openxmlformats.org/presentationml/2006/main">
+  <p:cSld>
+    <p:spTree>
+      <p:nvGrpSpPr>
+        <p:cNvPr id="1" name=""/>
+        <p:cNvGrpSpPr/>
+        <p:nvPr/>
+      </p:nvGrpSpPr>
+      <p:grpSpPr>
+        <a:xfrm>
+          <a:off x="0" y="0"/>
+          <a:ext cx="0" cy="0"/>
+          <a:chOff x="0" y="0"/>
+          <a:chExt cx="0" cy="0"/>
+        </a:xfrm>
+      </p:grpSpPr>
+      <p:grpSp>
+        <p:nvGrpSpPr>
+          <p:cNvPr id="2" name="Group 1">
+            <a:extLst>
+              <a:ext uri="{FF2B5EF4-FFF2-40B4-BE49-F238E27FC236}">
+                <a16:creationId xmlns:a16="http://schemas.microsoft.com/office/drawing/2014/main" id="{23EE0A15-387D-482D-8E38-905F6CA182C9}"/>
+              </a:ext>
+            </a:extLst>
+          </p:cNvPr>
+          <p:cNvGrpSpPr/>
+          <p:nvPr/>
+        </p:nvGrpSpPr>
+        <p:grpSpPr>
+          <a:xfrm>
+            <a:off x="2252201" y="-232787"/>
+            <a:ext cx="5881145" cy="7725192"/>
+            <a:chOff x="6724888" y="1838228"/>
+            <a:chExt cx="2868936" cy="5258724"/>
+          </a:xfrm>
+        </p:grpSpPr>
+        <p:sp>
+          <p:nvSpPr>
+            <p:cNvPr id="3" name="Rectangle 2">
+              <a:extLst>
+                <a:ext uri="{FF2B5EF4-FFF2-40B4-BE49-F238E27FC236}">
+                  <a16:creationId xmlns:a16="http://schemas.microsoft.com/office/drawing/2014/main" id="{4D4E9A5C-A443-478A-BDD0-0F7414FA3E2C}"/>
+                </a:ext>
+              </a:extLst>
+            </p:cNvPr>
+            <p:cNvSpPr/>
+            <p:nvPr/>
+          </p:nvSpPr>
+          <p:spPr>
+            <a:xfrm>
+              <a:off x="6724888" y="2318236"/>
+              <a:ext cx="2868936" cy="4298709"/>
+            </a:xfrm>
+            <a:prstGeom prst="rect">
+              <a:avLst/>
+            </a:prstGeom>
+            <a:solidFill>
+              <a:srgbClr val="0FCA42"/>
+            </a:solidFill>
+            <a:ln w="76200">
+              <a:solidFill>
+                <a:schemeClr val="bg1"/>
+              </a:solidFill>
+            </a:ln>
+          </p:spPr>
+          <p:style>
+            <a:lnRef idx="2">
+              <a:schemeClr val="accent1">
+                <a:shade val="50000"/>
+              </a:schemeClr>
+            </a:lnRef>
+            <a:fillRef idx="1">
+              <a:schemeClr val="accent1"/>
+            </a:fillRef>
+            <a:effectRef idx="0">
+              <a:schemeClr val="accent1"/>
+            </a:effectRef>
+            <a:fontRef idx="minor">
+              <a:schemeClr val="lt1"/>
+            </a:fontRef>
+          </p:style>
+          <p:txBody>
+            <a:bodyPr rtlCol="0" anchor="ctr"/>
+            <a:lstStyle/>
+            <a:p>
+              <a:pPr algn="ctr"/>
+              <a:endParaRPr lang="en-US" dirty="0"/>
+            </a:p>
+          </p:txBody>
+        </p:sp>
+        <p:sp>
+          <p:nvSpPr>
+            <p:cNvPr id="4" name="Rectangle 3">
+              <a:extLst>
+                <a:ext uri="{FF2B5EF4-FFF2-40B4-BE49-F238E27FC236}">
+                  <a16:creationId xmlns:a16="http://schemas.microsoft.com/office/drawing/2014/main" id="{2A44B656-B05F-429A-9645-0EF2C86E8092}"/>
+                </a:ext>
+              </a:extLst>
+            </p:cNvPr>
+            <p:cNvSpPr/>
+            <p:nvPr/>
+          </p:nvSpPr>
+          <p:spPr>
+            <a:xfrm>
+              <a:off x="7384730" y="1838228"/>
+              <a:ext cx="1549250" cy="5258724"/>
+            </a:xfrm>
+            <a:prstGeom prst="rect">
+              <a:avLst/>
+            </a:prstGeom>
+            <a:noFill/>
+          </p:spPr>
+          <p:txBody>
+            <a:bodyPr wrap="none" lIns="91440" tIns="45720" rIns="91440" bIns="45720">
+              <a:spAutoFit/>
+            </a:bodyPr>
+            <a:lstStyle/>
+            <a:p>
+              <a:pPr algn="ctr"/>
+              <a:r>
+                <a:rPr lang="en-US" sz="49600" b="1" spc="50" dirty="0">
+                  <a:ln w="0"/>
+                  <a:effectLst>
+                    <a:innerShdw blurRad="63500" dist="50800" dir="13500000">
+                      <a:srgbClr val="000000">
+                        <a:alpha val="50000"/>
+                      </a:srgbClr>
+                    </a:innerShdw>
+                  </a:effectLst>
+                  <a:latin typeface="Agency FB" panose="020B0503020202020204" pitchFamily="34" charset="0"/>
+                </a:rPr>
+                <a:t>8</a:t>
+              </a:r>
+              <a:endParaRPr lang="en-US" sz="49600" b="1" cap="none" spc="50" dirty="0">
+                <a:ln w="0"/>
+                <a:effectLst>
+                  <a:innerShdw blurRad="63500" dist="50800" dir="13500000">
+                    <a:srgbClr val="000000">
+                      <a:alpha val="50000"/>
+                    </a:srgbClr>
+                  </a:innerShdw>
+                </a:effectLst>
+                <a:latin typeface="Agency FB" panose="020B0503020202020204" pitchFamily="34" charset="0"/>
+              </a:endParaRPr>
+            </a:p>
+          </p:txBody>
+        </p:sp>
+      </p:grpSp>
+    </p:spTree>
+    <p:extLst>
+      <p:ext uri="{BB962C8B-B14F-4D97-AF65-F5344CB8AC3E}">
+        <p14:creationId xmlns:p14="http://schemas.microsoft.com/office/powerpoint/2010/main" val="2714670938"/>
       </p:ext>
     </p:extLst>
   </p:cSld>
@@ -4634,4 +6410,299 @@
     </a:ext>
   </a:extLst>
 </a:theme>
+</file>
+
+<file path=ppt/theme/theme2.xml><?xml version="1.0" encoding="utf-8"?>
+<a:theme xmlns:a="http://schemas.openxmlformats.org/drawingml/2006/main" name="Office Theme">
+  <a:themeElements>
+    <a:clrScheme name="Office">
+      <a:dk1>
+        <a:sysClr val="windowText" lastClr="000000"/>
+      </a:dk1>
+      <a:lt1>
+        <a:sysClr val="window" lastClr="FFFFFF"/>
+      </a:lt1>
+      <a:dk2>
+        <a:srgbClr val="44546A"/>
+      </a:dk2>
+      <a:lt2>
+        <a:srgbClr val="E7E6E6"/>
+      </a:lt2>
+      <a:accent1>
+        <a:srgbClr val="4472C4"/>
+      </a:accent1>
+      <a:accent2>
+        <a:srgbClr val="ED7D31"/>
+      </a:accent2>
+      <a:accent3>
+        <a:srgbClr val="A5A5A5"/>
+      </a:accent3>
+      <a:accent4>
+        <a:srgbClr val="FFC000"/>
+      </a:accent4>
+      <a:accent5>
+        <a:srgbClr val="5B9BD5"/>
+      </a:accent5>
+      <a:accent6>
+        <a:srgbClr val="70AD47"/>
+      </a:accent6>
+      <a:hlink>
+        <a:srgbClr val="0563C1"/>
+      </a:hlink>
+      <a:folHlink>
+        <a:srgbClr val="954F72"/>
+      </a:folHlink>
+    </a:clrScheme>
+    <a:fontScheme name="Office">
+      <a:majorFont>
+        <a:latin typeface="Calibri Light" panose="020F0302020204030204"/>
+        <a:ea typeface=""/>
+        <a:cs typeface=""/>
+        <a:font script="Jpan" typeface="游ゴシック Light"/>
+        <a:font script="Hang" typeface="맑은 고딕"/>
+        <a:font script="Hans" typeface="等线 Light"/>
+        <a:font script="Hant" typeface="新細明體"/>
+        <a:font script="Arab" typeface="Times New Roman"/>
+        <a:font script="Hebr" typeface="Times New Roman"/>
+        <a:font script="Thai" typeface="Angsana New"/>
+        <a:font script="Ethi" typeface="Nyala"/>
+        <a:font script="Beng" typeface="Vrinda"/>
+        <a:font script="Gujr" typeface="Shruti"/>
+        <a:font script="Khmr" typeface="MoolBoran"/>
+        <a:font script="Knda" typeface="Tunga"/>
+        <a:font script="Guru" typeface="Raavi"/>
+        <a:font script="Cans" typeface="Euphemia"/>
+        <a:font script="Cher" typeface="Plantagenet Cherokee"/>
+        <a:font script="Yiii" typeface="Microsoft Yi Baiti"/>
+        <a:font script="Tibt" typeface="Microsoft Himalaya"/>
+        <a:font script="Thaa" typeface="MV Boli"/>
+        <a:font script="Deva" typeface="Mangal"/>
+        <a:font script="Telu" typeface="Gautami"/>
+        <a:font script="Taml" typeface="Latha"/>
+        <a:font script="Syrc" typeface="Estrangelo Edessa"/>
+        <a:font script="Orya" typeface="Kalinga"/>
+        <a:font script="Mlym" typeface="Kartika"/>
+        <a:font script="Laoo" typeface="DokChampa"/>
+        <a:font script="Sinh" typeface="Iskoola Pota"/>
+        <a:font script="Mong" typeface="Mongolian Baiti"/>
+        <a:font script="Viet" typeface="Times New Roman"/>
+        <a:font script="Uigh" typeface="Microsoft Uighur"/>
+        <a:font script="Geor" typeface="Sylfaen"/>
+        <a:font script="Armn" typeface="Arial"/>
+        <a:font script="Bugi" typeface="Leelawadee UI"/>
+        <a:font script="Bopo" typeface="Microsoft JhengHei"/>
+        <a:font script="Java" typeface="Javanese Text"/>
+        <a:font script="Lisu" typeface="Segoe UI"/>
+        <a:font script="Mymr" typeface="Myanmar Text"/>
+        <a:font script="Nkoo" typeface="Ebrima"/>
+        <a:font script="Olck" typeface="Nirmala UI"/>
+        <a:font script="Osma" typeface="Ebrima"/>
+        <a:font script="Phag" typeface="Phagspa"/>
+        <a:font script="Syrn" typeface="Estrangelo Edessa"/>
+        <a:font script="Syrj" typeface="Estrangelo Edessa"/>
+        <a:font script="Syre" typeface="Estrangelo Edessa"/>
+        <a:font script="Sora" typeface="Nirmala UI"/>
+        <a:font script="Tale" typeface="Microsoft Tai Le"/>
+        <a:font script="Talu" typeface="Microsoft New Tai Lue"/>
+        <a:font script="Tfng" typeface="Ebrima"/>
+      </a:majorFont>
+      <a:minorFont>
+        <a:latin typeface="Calibri" panose="020F0502020204030204"/>
+        <a:ea typeface=""/>
+        <a:cs typeface=""/>
+        <a:font script="Jpan" typeface="游ゴシック"/>
+        <a:font script="Hang" typeface="맑은 고딕"/>
+        <a:font script="Hans" typeface="等线"/>
+        <a:font script="Hant" typeface="新細明體"/>
+        <a:font script="Arab" typeface="Arial"/>
+        <a:font script="Hebr" typeface="Arial"/>
+        <a:font script="Thai" typeface="Cordia New"/>
+        <a:font script="Ethi" typeface="Nyala"/>
+        <a:font script="Beng" typeface="Vrinda"/>
+        <a:font script="Gujr" typeface="Shruti"/>
+        <a:font script="Khmr" typeface="DaunPenh"/>
+        <a:font script="Knda" typeface="Tunga"/>
+        <a:font script="Guru" typeface="Raavi"/>
+        <a:font script="Cans" typeface="Euphemia"/>
+        <a:font script="Cher" typeface="Plantagenet Cherokee"/>
+        <a:font script="Yiii" typeface="Microsoft Yi Baiti"/>
+        <a:font script="Tibt" typeface="Microsoft Himalaya"/>
+        <a:font script="Thaa" typeface="MV Boli"/>
+        <a:font script="Deva" typeface="Mangal"/>
+        <a:font script="Telu" typeface="Gautami"/>
+        <a:font script="Taml" typeface="Latha"/>
+        <a:font script="Syrc" typeface="Estrangelo Edessa"/>
+        <a:font script="Orya" typeface="Kalinga"/>
+        <a:font script="Mlym" typeface="Kartika"/>
+        <a:font script="Laoo" typeface="DokChampa"/>
+        <a:font script="Sinh" typeface="Iskoola Pota"/>
+        <a:font script="Mong" typeface="Mongolian Baiti"/>
+        <a:font script="Viet" typeface="Arial"/>
+        <a:font script="Uigh" typeface="Microsoft Uighur"/>
+        <a:font script="Geor" typeface="Sylfaen"/>
+        <a:font script="Armn" typeface="Arial"/>
+        <a:font script="Bugi" typeface="Leelawadee UI"/>
+        <a:font script="Bopo" typeface="Microsoft JhengHei"/>
+        <a:font script="Java" typeface="Javanese Text"/>
+        <a:font script="Lisu" typeface="Segoe UI"/>
+        <a:font script="Mymr" typeface="Myanmar Text"/>
+        <a:font script="Nkoo" typeface="Ebrima"/>
+        <a:font script="Olck" typeface="Nirmala UI"/>
+        <a:font script="Osma" typeface="Ebrima"/>
+        <a:font script="Phag" typeface="Phagspa"/>
+        <a:font script="Syrn" typeface="Estrangelo Edessa"/>
+        <a:font script="Syrj" typeface="Estrangelo Edessa"/>
+        <a:font script="Syre" typeface="Estrangelo Edessa"/>
+        <a:font script="Sora" typeface="Nirmala UI"/>
+        <a:font script="Tale" typeface="Microsoft Tai Le"/>
+        <a:font script="Talu" typeface="Microsoft New Tai Lue"/>
+        <a:font script="Tfng" typeface="Ebrima"/>
+      </a:minorFont>
+    </a:fontScheme>
+    <a:fmtScheme name="Office">
+      <a:fillStyleLst>
+        <a:solidFill>
+          <a:schemeClr val="phClr"/>
+        </a:solidFill>
+        <a:gradFill rotWithShape="1">
+          <a:gsLst>
+            <a:gs pos="0">
+              <a:schemeClr val="phClr">
+                <a:lumMod val="110000"/>
+                <a:satMod val="105000"/>
+                <a:tint val="67000"/>
+              </a:schemeClr>
+            </a:gs>
+            <a:gs pos="50000">
+              <a:schemeClr val="phClr">
+                <a:lumMod val="105000"/>
+                <a:satMod val="103000"/>
+                <a:tint val="73000"/>
+              </a:schemeClr>
+            </a:gs>
+            <a:gs pos="100000">
+              <a:schemeClr val="phClr">
+                <a:lumMod val="105000"/>
+                <a:satMod val="109000"/>
+                <a:tint val="81000"/>
+              </a:schemeClr>
+            </a:gs>
+          </a:gsLst>
+          <a:lin ang="5400000" scaled="0"/>
+        </a:gradFill>
+        <a:gradFill rotWithShape="1">
+          <a:gsLst>
+            <a:gs pos="0">
+              <a:schemeClr val="phClr">
+                <a:satMod val="103000"/>
+                <a:lumMod val="102000"/>
+                <a:tint val="94000"/>
+              </a:schemeClr>
+            </a:gs>
+            <a:gs pos="50000">
+              <a:schemeClr val="phClr">
+                <a:satMod val="110000"/>
+                <a:lumMod val="100000"/>
+                <a:shade val="100000"/>
+              </a:schemeClr>
+            </a:gs>
+            <a:gs pos="100000">
+              <a:schemeClr val="phClr">
+                <a:lumMod val="99000"/>
+                <a:satMod val="120000"/>
+                <a:shade val="78000"/>
+              </a:schemeClr>
+            </a:gs>
+          </a:gsLst>
+          <a:lin ang="5400000" scaled="0"/>
+        </a:gradFill>
+      </a:fillStyleLst>
+      <a:lnStyleLst>
+        <a:ln w="6350" cap="flat" cmpd="sng" algn="ctr">
+          <a:solidFill>
+            <a:schemeClr val="phClr"/>
+          </a:solidFill>
+          <a:prstDash val="solid"/>
+          <a:miter lim="800000"/>
+        </a:ln>
+        <a:ln w="12700" cap="flat" cmpd="sng" algn="ctr">
+          <a:solidFill>
+            <a:schemeClr val="phClr"/>
+          </a:solidFill>
+          <a:prstDash val="solid"/>
+          <a:miter lim="800000"/>
+        </a:ln>
+        <a:ln w="19050" cap="flat" cmpd="sng" algn="ctr">
+          <a:solidFill>
+            <a:schemeClr val="phClr"/>
+          </a:solidFill>
+          <a:prstDash val="solid"/>
+          <a:miter lim="800000"/>
+        </a:ln>
+      </a:lnStyleLst>
+      <a:effectStyleLst>
+        <a:effectStyle>
+          <a:effectLst/>
+        </a:effectStyle>
+        <a:effectStyle>
+          <a:effectLst/>
+        </a:effectStyle>
+        <a:effectStyle>
+          <a:effectLst>
+            <a:outerShdw blurRad="57150" dist="19050" dir="5400000" algn="ctr" rotWithShape="0">
+              <a:srgbClr val="000000">
+                <a:alpha val="63000"/>
+              </a:srgbClr>
+            </a:outerShdw>
+          </a:effectLst>
+        </a:effectStyle>
+      </a:effectStyleLst>
+      <a:bgFillStyleLst>
+        <a:solidFill>
+          <a:schemeClr val="phClr"/>
+        </a:solidFill>
+        <a:solidFill>
+          <a:schemeClr val="phClr">
+            <a:tint val="95000"/>
+            <a:satMod val="170000"/>
+          </a:schemeClr>
+        </a:solidFill>
+        <a:gradFill rotWithShape="1">
+          <a:gsLst>
+            <a:gs pos="0">
+              <a:schemeClr val="phClr">
+                <a:tint val="93000"/>
+                <a:satMod val="150000"/>
+                <a:shade val="98000"/>
+                <a:lumMod val="102000"/>
+              </a:schemeClr>
+            </a:gs>
+            <a:gs pos="50000">
+              <a:schemeClr val="phClr">
+                <a:tint val="98000"/>
+                <a:satMod val="130000"/>
+                <a:shade val="90000"/>
+                <a:lumMod val="103000"/>
+              </a:schemeClr>
+            </a:gs>
+            <a:gs pos="100000">
+              <a:schemeClr val="phClr">
+                <a:shade val="63000"/>
+                <a:satMod val="120000"/>
+              </a:schemeClr>
+            </a:gs>
+          </a:gsLst>
+          <a:lin ang="5400000" scaled="0"/>
+        </a:gradFill>
+      </a:bgFillStyleLst>
+    </a:fmtScheme>
+  </a:themeElements>
+  <a:objectDefaults/>
+  <a:extraClrSchemeLst/>
+  <a:extLst>
+    <a:ext uri="{05A4C25C-085E-4340-85A3-A5531E510DB2}">
+      <thm15:themeFamily xmlns:thm15="http://schemas.microsoft.com/office/thememl/2012/main" name="Office Theme" id="{62F939B6-93AF-4DB8-9C6B-D6C7DFDC589F}" vid="{4A3C46E8-61CC-4603-A589-7422A47A8E4A}"/>
+    </a:ext>
+  </a:extLst>
+</a:theme>
 </file>
--- a/# Powerpoint Workshop/#picture_resize.pptx
+++ b/# Powerpoint Workshop/#picture_resize.pptx
@@ -5,7 +5,7 @@
     <p:sldMasterId id="2147483648" r:id="rId1"/>
   </p:sldMasterIdLst>
   <p:notesMasterIdLst>
-    <p:notesMasterId r:id="rId7"/>
+    <p:notesMasterId r:id="rId8"/>
   </p:notesMasterIdLst>
   <p:sldIdLst>
     <p:sldId id="256" r:id="rId2"/>
@@ -13,6 +13,7 @@
     <p:sldId id="258" r:id="rId4"/>
     <p:sldId id="259" r:id="rId5"/>
     <p:sldId id="260" r:id="rId6"/>
+    <p:sldId id="261" r:id="rId7"/>
   </p:sldIdLst>
   <p:sldSz cx="12192000" cy="6858000"/>
   <p:notesSz cx="6858000" cy="9144000"/>
@@ -201,7 +202,7 @@
           <a:p>
             <a:fld id="{EE70B185-0CBF-4A8F-ABB8-00DAD16C0436}" type="datetimeFigureOut">
               <a:rPr lang="en-US" smtClean="0"/>
-              <a:t>7/24/2020</a:t>
+              <a:t>7/29/2020</a:t>
             </a:fld>
             <a:endParaRPr lang="en-US"/>
           </a:p>
@@ -699,7 +700,7 @@
           <a:p>
             <a:fld id="{583D1611-C3BC-45BD-9FA5-A8A5DA707111}" type="datetimeFigureOut">
               <a:rPr lang="en-US" smtClean="0"/>
-              <a:t>7/24/2020</a:t>
+              <a:t>7/29/2020</a:t>
             </a:fld>
             <a:endParaRPr lang="en-US"/>
           </a:p>
@@ -897,7 +898,7 @@
           <a:p>
             <a:fld id="{583D1611-C3BC-45BD-9FA5-A8A5DA707111}" type="datetimeFigureOut">
               <a:rPr lang="en-US" smtClean="0"/>
-              <a:t>7/24/2020</a:t>
+              <a:t>7/29/2020</a:t>
             </a:fld>
             <a:endParaRPr lang="en-US"/>
           </a:p>
@@ -1105,7 +1106,7 @@
           <a:p>
             <a:fld id="{583D1611-C3BC-45BD-9FA5-A8A5DA707111}" type="datetimeFigureOut">
               <a:rPr lang="en-US" smtClean="0"/>
-              <a:t>7/24/2020</a:t>
+              <a:t>7/29/2020</a:t>
             </a:fld>
             <a:endParaRPr lang="en-US"/>
           </a:p>
@@ -1303,7 +1304,7 @@
           <a:p>
             <a:fld id="{583D1611-C3BC-45BD-9FA5-A8A5DA707111}" type="datetimeFigureOut">
               <a:rPr lang="en-US" smtClean="0"/>
-              <a:t>7/24/2020</a:t>
+              <a:t>7/29/2020</a:t>
             </a:fld>
             <a:endParaRPr lang="en-US"/>
           </a:p>
@@ -1578,7 +1579,7 @@
           <a:p>
             <a:fld id="{583D1611-C3BC-45BD-9FA5-A8A5DA707111}" type="datetimeFigureOut">
               <a:rPr lang="en-US" smtClean="0"/>
-              <a:t>7/24/2020</a:t>
+              <a:t>7/29/2020</a:t>
             </a:fld>
             <a:endParaRPr lang="en-US"/>
           </a:p>
@@ -1843,7 +1844,7 @@
           <a:p>
             <a:fld id="{583D1611-C3BC-45BD-9FA5-A8A5DA707111}" type="datetimeFigureOut">
               <a:rPr lang="en-US" smtClean="0"/>
-              <a:t>7/24/2020</a:t>
+              <a:t>7/29/2020</a:t>
             </a:fld>
             <a:endParaRPr lang="en-US"/>
           </a:p>
@@ -2255,7 +2256,7 @@
           <a:p>
             <a:fld id="{583D1611-C3BC-45BD-9FA5-A8A5DA707111}" type="datetimeFigureOut">
               <a:rPr lang="en-US" smtClean="0"/>
-              <a:t>7/24/2020</a:t>
+              <a:t>7/29/2020</a:t>
             </a:fld>
             <a:endParaRPr lang="en-US"/>
           </a:p>
@@ -2396,7 +2397,7 @@
           <a:p>
             <a:fld id="{583D1611-C3BC-45BD-9FA5-A8A5DA707111}" type="datetimeFigureOut">
               <a:rPr lang="en-US" smtClean="0"/>
-              <a:t>7/24/2020</a:t>
+              <a:t>7/29/2020</a:t>
             </a:fld>
             <a:endParaRPr lang="en-US"/>
           </a:p>
@@ -2509,7 +2510,7 @@
           <a:p>
             <a:fld id="{583D1611-C3BC-45BD-9FA5-A8A5DA707111}" type="datetimeFigureOut">
               <a:rPr lang="en-US" smtClean="0"/>
-              <a:t>7/24/2020</a:t>
+              <a:t>7/29/2020</a:t>
             </a:fld>
             <a:endParaRPr lang="en-US"/>
           </a:p>
@@ -2820,7 +2821,7 @@
           <a:p>
             <a:fld id="{583D1611-C3BC-45BD-9FA5-A8A5DA707111}" type="datetimeFigureOut">
               <a:rPr lang="en-US" smtClean="0"/>
-              <a:t>7/24/2020</a:t>
+              <a:t>7/29/2020</a:t>
             </a:fld>
             <a:endParaRPr lang="en-US"/>
           </a:p>
@@ -3108,7 +3109,7 @@
           <a:p>
             <a:fld id="{583D1611-C3BC-45BD-9FA5-A8A5DA707111}" type="datetimeFigureOut">
               <a:rPr lang="en-US" smtClean="0"/>
-              <a:t>7/24/2020</a:t>
+              <a:t>7/29/2020</a:t>
             </a:fld>
             <a:endParaRPr lang="en-US"/>
           </a:p>
@@ -3349,7 +3350,7 @@
           <a:p>
             <a:fld id="{583D1611-C3BC-45BD-9FA5-A8A5DA707111}" type="datetimeFigureOut">
               <a:rPr lang="en-US" smtClean="0"/>
-              <a:t>7/24/2020</a:t>
+              <a:t>7/29/2020</a:t>
             </a:fld>
             <a:endParaRPr lang="en-US"/>
           </a:p>
@@ -6117,6 +6118,144 @@
 </p:sld>
 </file>
 
+<file path=ppt/slides/slide6.xml><?xml version="1.0" encoding="utf-8"?>
+<p:sld xmlns:a="http://schemas.openxmlformats.org/drawingml/2006/main" xmlns:r="http://schemas.openxmlformats.org/officeDocument/2006/relationships" xmlns:p="http://schemas.openxmlformats.org/presentationml/2006/main">
+  <p:cSld>
+    <p:spTree>
+      <p:nvGrpSpPr>
+        <p:cNvPr id="1" name=""/>
+        <p:cNvGrpSpPr/>
+        <p:nvPr/>
+      </p:nvGrpSpPr>
+      <p:grpSpPr>
+        <a:xfrm>
+          <a:off x="0" y="0"/>
+          <a:ext cx="0" cy="0"/>
+          <a:chOff x="0" y="0"/>
+          <a:chExt cx="0" cy="0"/>
+        </a:xfrm>
+      </p:grpSpPr>
+      <p:pic>
+        <p:nvPicPr>
+          <p:cNvPr id="9" name="Picture 8">
+            <a:extLst>
+              <a:ext uri="{FF2B5EF4-FFF2-40B4-BE49-F238E27FC236}">
+                <a16:creationId xmlns:a16="http://schemas.microsoft.com/office/drawing/2014/main" id="{52BEE7C7-269F-4CE0-8890-A24E07FFE7EC}"/>
+              </a:ext>
+            </a:extLst>
+          </p:cNvPr>
+          <p:cNvPicPr>
+            <a:picLocks noChangeAspect="1"/>
+          </p:cNvPicPr>
+          <p:nvPr/>
+        </p:nvPicPr>
+        <p:blipFill>
+          <a:blip r:embed="rId2">
+            <a:extLst>
+              <a:ext uri="{28A0092B-C50C-407E-A947-70E740481C1C}">
+                <a14:useLocalDpi xmlns:a14="http://schemas.microsoft.com/office/drawing/2010/main" val="0"/>
+              </a:ext>
+            </a:extLst>
+          </a:blip>
+          <a:stretch>
+            <a:fillRect/>
+          </a:stretch>
+        </p:blipFill>
+        <p:spPr>
+          <a:xfrm rot="16200000">
+            <a:off x="7489751" y="2734222"/>
+            <a:ext cx="4440609" cy="3323769"/>
+          </a:xfrm>
+          <a:prstGeom prst="rect">
+            <a:avLst/>
+          </a:prstGeom>
+        </p:spPr>
+      </p:pic>
+      <p:pic>
+        <p:nvPicPr>
+          <p:cNvPr id="11" name="Picture 10">
+            <a:extLst>
+              <a:ext uri="{FF2B5EF4-FFF2-40B4-BE49-F238E27FC236}">
+                <a16:creationId xmlns:a16="http://schemas.microsoft.com/office/drawing/2014/main" id="{63F7CDCA-CF0C-4F71-A211-CF6498ADDE8E}"/>
+              </a:ext>
+            </a:extLst>
+          </p:cNvPr>
+          <p:cNvPicPr>
+            <a:picLocks noChangeAspect="1"/>
+          </p:cNvPicPr>
+          <p:nvPr/>
+        </p:nvPicPr>
+        <p:blipFill>
+          <a:blip r:embed="rId3">
+            <a:extLst>
+              <a:ext uri="{28A0092B-C50C-407E-A947-70E740481C1C}">
+                <a14:useLocalDpi xmlns:a14="http://schemas.microsoft.com/office/drawing/2010/main" val="0"/>
+              </a:ext>
+            </a:extLst>
+          </a:blip>
+          <a:stretch>
+            <a:fillRect/>
+          </a:stretch>
+        </p:blipFill>
+        <p:spPr>
+          <a:xfrm>
+            <a:off x="2075541" y="401243"/>
+            <a:ext cx="2902857" cy="3549113"/>
+          </a:xfrm>
+          <a:prstGeom prst="rect">
+            <a:avLst/>
+          </a:prstGeom>
+        </p:spPr>
+      </p:pic>
+      <p:pic>
+        <p:nvPicPr>
+          <p:cNvPr id="3" name="Picture 2">
+            <a:extLst>
+              <a:ext uri="{FF2B5EF4-FFF2-40B4-BE49-F238E27FC236}">
+                <a16:creationId xmlns:a16="http://schemas.microsoft.com/office/drawing/2014/main" id="{B80DD72D-D531-4BB3-9763-90256841A2C0}"/>
+              </a:ext>
+            </a:extLst>
+          </p:cNvPr>
+          <p:cNvPicPr>
+            <a:picLocks noChangeAspect="1"/>
+          </p:cNvPicPr>
+          <p:nvPr/>
+        </p:nvPicPr>
+        <p:blipFill>
+          <a:blip r:embed="rId4">
+            <a:extLst>
+              <a:ext uri="{28A0092B-C50C-407E-A947-70E740481C1C}">
+                <a14:useLocalDpi xmlns:a14="http://schemas.microsoft.com/office/drawing/2010/main" val="0"/>
+              </a:ext>
+            </a:extLst>
+          </a:blip>
+          <a:stretch>
+            <a:fillRect/>
+          </a:stretch>
+        </p:blipFill>
+        <p:spPr>
+          <a:xfrm>
+            <a:off x="2075541" y="401243"/>
+            <a:ext cx="2902857" cy="3549113"/>
+          </a:xfrm>
+          <a:prstGeom prst="rect">
+            <a:avLst/>
+          </a:prstGeom>
+        </p:spPr>
+      </p:pic>
+    </p:spTree>
+    <p:extLst>
+      <p:ext uri="{BB962C8B-B14F-4D97-AF65-F5344CB8AC3E}">
+        <p14:creationId xmlns:p14="http://schemas.microsoft.com/office/powerpoint/2010/main" val="4041500722"/>
+      </p:ext>
+    </p:extLst>
+  </p:cSld>
+  <p:clrMapOvr>
+    <a:masterClrMapping/>
+  </p:clrMapOvr>
+</p:sld>
+</file>
+
 <file path=ppt/theme/theme1.xml><?xml version="1.0" encoding="utf-8"?>
 <a:theme xmlns:a="http://schemas.openxmlformats.org/drawingml/2006/main" name="Office Theme">
   <a:themeElements>

--- a/# Powerpoint Workshop/#picture_resize.pptx
+++ b/# Powerpoint Workshop/#picture_resize.pptx
@@ -202,7 +202,7 @@
           <a:p>
             <a:fld id="{EE70B185-0CBF-4A8F-ABB8-00DAD16C0436}" type="datetimeFigureOut">
               <a:rPr lang="en-US" smtClean="0"/>
-              <a:t>7/29/2020</a:t>
+              <a:t>7/31/2020</a:t>
             </a:fld>
             <a:endParaRPr lang="en-US"/>
           </a:p>
@@ -700,7 +700,7 @@
           <a:p>
             <a:fld id="{583D1611-C3BC-45BD-9FA5-A8A5DA707111}" type="datetimeFigureOut">
               <a:rPr lang="en-US" smtClean="0"/>
-              <a:t>7/29/2020</a:t>
+              <a:t>7/31/2020</a:t>
             </a:fld>
             <a:endParaRPr lang="en-US"/>
           </a:p>
@@ -898,7 +898,7 @@
           <a:p>
             <a:fld id="{583D1611-C3BC-45BD-9FA5-A8A5DA707111}" type="datetimeFigureOut">
               <a:rPr lang="en-US" smtClean="0"/>
-              <a:t>7/29/2020</a:t>
+              <a:t>7/31/2020</a:t>
             </a:fld>
             <a:endParaRPr lang="en-US"/>
           </a:p>
@@ -1106,7 +1106,7 @@
           <a:p>
             <a:fld id="{583D1611-C3BC-45BD-9FA5-A8A5DA707111}" type="datetimeFigureOut">
               <a:rPr lang="en-US" smtClean="0"/>
-              <a:t>7/29/2020</a:t>
+              <a:t>7/31/2020</a:t>
             </a:fld>
             <a:endParaRPr lang="en-US"/>
           </a:p>
@@ -1304,7 +1304,7 @@
           <a:p>
             <a:fld id="{583D1611-C3BC-45BD-9FA5-A8A5DA707111}" type="datetimeFigureOut">
               <a:rPr lang="en-US" smtClean="0"/>
-              <a:t>7/29/2020</a:t>
+              <a:t>7/31/2020</a:t>
             </a:fld>
             <a:endParaRPr lang="en-US"/>
           </a:p>
@@ -1579,7 +1579,7 @@
           <a:p>
             <a:fld id="{583D1611-C3BC-45BD-9FA5-A8A5DA707111}" type="datetimeFigureOut">
               <a:rPr lang="en-US" smtClean="0"/>
-              <a:t>7/29/2020</a:t>
+              <a:t>7/31/2020</a:t>
             </a:fld>
             <a:endParaRPr lang="en-US"/>
           </a:p>
@@ -1844,7 +1844,7 @@
           <a:p>
             <a:fld id="{583D1611-C3BC-45BD-9FA5-A8A5DA707111}" type="datetimeFigureOut">
               <a:rPr lang="en-US" smtClean="0"/>
-              <a:t>7/29/2020</a:t>
+              <a:t>7/31/2020</a:t>
             </a:fld>
             <a:endParaRPr lang="en-US"/>
           </a:p>
@@ -2256,7 +2256,7 @@
           <a:p>
             <a:fld id="{583D1611-C3BC-45BD-9FA5-A8A5DA707111}" type="datetimeFigureOut">
               <a:rPr lang="en-US" smtClean="0"/>
-              <a:t>7/29/2020</a:t>
+              <a:t>7/31/2020</a:t>
             </a:fld>
             <a:endParaRPr lang="en-US"/>
           </a:p>
@@ -2397,7 +2397,7 @@
           <a:p>
             <a:fld id="{583D1611-C3BC-45BD-9FA5-A8A5DA707111}" type="datetimeFigureOut">
               <a:rPr lang="en-US" smtClean="0"/>
-              <a:t>7/29/2020</a:t>
+              <a:t>7/31/2020</a:t>
             </a:fld>
             <a:endParaRPr lang="en-US"/>
           </a:p>
@@ -2510,7 +2510,7 @@
           <a:p>
             <a:fld id="{583D1611-C3BC-45BD-9FA5-A8A5DA707111}" type="datetimeFigureOut">
               <a:rPr lang="en-US" smtClean="0"/>
-              <a:t>7/29/2020</a:t>
+              <a:t>7/31/2020</a:t>
             </a:fld>
             <a:endParaRPr lang="en-US"/>
           </a:p>
@@ -2821,7 +2821,7 @@
           <a:p>
             <a:fld id="{583D1611-C3BC-45BD-9FA5-A8A5DA707111}" type="datetimeFigureOut">
               <a:rPr lang="en-US" smtClean="0"/>
-              <a:t>7/29/2020</a:t>
+              <a:t>7/31/2020</a:t>
             </a:fld>
             <a:endParaRPr lang="en-US"/>
           </a:p>
@@ -3109,7 +3109,7 @@
           <a:p>
             <a:fld id="{583D1611-C3BC-45BD-9FA5-A8A5DA707111}" type="datetimeFigureOut">
               <a:rPr lang="en-US" smtClean="0"/>
-              <a:t>7/29/2020</a:t>
+              <a:t>7/31/2020</a:t>
             </a:fld>
             <a:endParaRPr lang="en-US"/>
           </a:p>
@@ -3350,7 +3350,7 @@
           <a:p>
             <a:fld id="{583D1611-C3BC-45BD-9FA5-A8A5DA707111}" type="datetimeFigureOut">
               <a:rPr lang="en-US" smtClean="0"/>
-              <a:t>7/29/2020</a:t>
+              <a:t>7/31/2020</a:t>
             </a:fld>
             <a:endParaRPr lang="en-US"/>
           </a:p>
@@ -6243,6 +6243,114 @@
           </a:prstGeom>
         </p:spPr>
       </p:pic>
+      <p:pic>
+        <p:nvPicPr>
+          <p:cNvPr id="4" name="Picture 3">
+            <a:extLst>
+              <a:ext uri="{FF2B5EF4-FFF2-40B4-BE49-F238E27FC236}">
+                <a16:creationId xmlns:a16="http://schemas.microsoft.com/office/drawing/2014/main" id="{21411C5C-45A4-4AF2-8F36-2D4F68D6A31D}"/>
+              </a:ext>
+            </a:extLst>
+          </p:cNvPr>
+          <p:cNvPicPr>
+            <a:picLocks noChangeAspect="1"/>
+          </p:cNvPicPr>
+          <p:nvPr/>
+        </p:nvPicPr>
+        <p:blipFill>
+          <a:blip r:embed="rId5">
+            <a:extLst>
+              <a:ext uri="{28A0092B-C50C-407E-A947-70E740481C1C}">
+                <a14:useLocalDpi xmlns:a14="http://schemas.microsoft.com/office/drawing/2010/main" val="0"/>
+              </a:ext>
+            </a:extLst>
+          </a:blip>
+          <a:stretch>
+            <a:fillRect/>
+          </a:stretch>
+        </p:blipFill>
+        <p:spPr>
+          <a:xfrm>
+            <a:off x="2075541" y="401243"/>
+            <a:ext cx="4871132" cy="3411102"/>
+          </a:xfrm>
+          <a:prstGeom prst="rect">
+            <a:avLst/>
+          </a:prstGeom>
+        </p:spPr>
+      </p:pic>
+      <p:pic>
+        <p:nvPicPr>
+          <p:cNvPr id="5" name="Picture 4">
+            <a:extLst>
+              <a:ext uri="{FF2B5EF4-FFF2-40B4-BE49-F238E27FC236}">
+                <a16:creationId xmlns:a16="http://schemas.microsoft.com/office/drawing/2014/main" id="{23B8E6B8-BD88-492A-8F03-705CF50AFA5B}"/>
+              </a:ext>
+            </a:extLst>
+          </p:cNvPr>
+          <p:cNvPicPr>
+            <a:picLocks noChangeAspect="1"/>
+          </p:cNvPicPr>
+          <p:nvPr/>
+        </p:nvPicPr>
+        <p:blipFill>
+          <a:blip r:embed="rId6">
+            <a:extLst>
+              <a:ext uri="{28A0092B-C50C-407E-A947-70E740481C1C}">
+                <a14:useLocalDpi xmlns:a14="http://schemas.microsoft.com/office/drawing/2010/main" val="0"/>
+              </a:ext>
+            </a:extLst>
+          </a:blip>
+          <a:stretch>
+            <a:fillRect/>
+          </a:stretch>
+        </p:blipFill>
+        <p:spPr>
+          <a:xfrm>
+            <a:off x="1562964" y="1456319"/>
+            <a:ext cx="4473576" cy="3411103"/>
+          </a:xfrm>
+          <a:prstGeom prst="rect">
+            <a:avLst/>
+          </a:prstGeom>
+        </p:spPr>
+      </p:pic>
+      <p:pic>
+        <p:nvPicPr>
+          <p:cNvPr id="6" name="Picture 5">
+            <a:extLst>
+              <a:ext uri="{FF2B5EF4-FFF2-40B4-BE49-F238E27FC236}">
+                <a16:creationId xmlns:a16="http://schemas.microsoft.com/office/drawing/2014/main" id="{F0D3F065-1909-4D2F-B0A3-A235BEE5CB83}"/>
+              </a:ext>
+            </a:extLst>
+          </p:cNvPr>
+          <p:cNvPicPr>
+            <a:picLocks noChangeAspect="1"/>
+          </p:cNvPicPr>
+          <p:nvPr/>
+        </p:nvPicPr>
+        <p:blipFill>
+          <a:blip r:embed="rId7">
+            <a:extLst>
+              <a:ext uri="{28A0092B-C50C-407E-A947-70E740481C1C}">
+                <a14:useLocalDpi xmlns:a14="http://schemas.microsoft.com/office/drawing/2010/main" val="0"/>
+              </a:ext>
+            </a:extLst>
+          </a:blip>
+          <a:stretch>
+            <a:fillRect/>
+          </a:stretch>
+        </p:blipFill>
+        <p:spPr>
+          <a:xfrm>
+            <a:off x="1211271" y="1978362"/>
+            <a:ext cx="4345467" cy="3423319"/>
+          </a:xfrm>
+          <a:prstGeom prst="rect">
+            <a:avLst/>
+          </a:prstGeom>
+        </p:spPr>
+      </p:pic>
     </p:spTree>
     <p:extLst>
       <p:ext uri="{BB962C8B-B14F-4D97-AF65-F5344CB8AC3E}">

--- a/# Powerpoint Workshop/#picture_resize.pptx
+++ b/# Powerpoint Workshop/#picture_resize.pptx
@@ -5,7 +5,7 @@
     <p:sldMasterId id="2147483648" r:id="rId1"/>
   </p:sldMasterIdLst>
   <p:notesMasterIdLst>
-    <p:notesMasterId r:id="rId8"/>
+    <p:notesMasterId r:id="rId9"/>
   </p:notesMasterIdLst>
   <p:sldIdLst>
     <p:sldId id="256" r:id="rId2"/>
@@ -14,6 +14,7 @@
     <p:sldId id="259" r:id="rId5"/>
     <p:sldId id="260" r:id="rId6"/>
     <p:sldId id="261" r:id="rId7"/>
+    <p:sldId id="262" r:id="rId8"/>
   </p:sldIdLst>
   <p:sldSz cx="12192000" cy="6858000"/>
   <p:notesSz cx="6858000" cy="9144000"/>
@@ -202,7 +203,7 @@
           <a:p>
             <a:fld id="{EE70B185-0CBF-4A8F-ABB8-00DAD16C0436}" type="datetimeFigureOut">
               <a:rPr lang="en-US" smtClean="0"/>
-              <a:t>7/31/2020</a:t>
+              <a:t>8/1/2020</a:t>
             </a:fld>
             <a:endParaRPr lang="en-US"/>
           </a:p>
@@ -700,7 +701,7 @@
           <a:p>
             <a:fld id="{583D1611-C3BC-45BD-9FA5-A8A5DA707111}" type="datetimeFigureOut">
               <a:rPr lang="en-US" smtClean="0"/>
-              <a:t>7/31/2020</a:t>
+              <a:t>8/1/2020</a:t>
             </a:fld>
             <a:endParaRPr lang="en-US"/>
           </a:p>
@@ -898,7 +899,7 @@
           <a:p>
             <a:fld id="{583D1611-C3BC-45BD-9FA5-A8A5DA707111}" type="datetimeFigureOut">
               <a:rPr lang="en-US" smtClean="0"/>
-              <a:t>7/31/2020</a:t>
+              <a:t>8/1/2020</a:t>
             </a:fld>
             <a:endParaRPr lang="en-US"/>
           </a:p>
@@ -1106,7 +1107,7 @@
           <a:p>
             <a:fld id="{583D1611-C3BC-45BD-9FA5-A8A5DA707111}" type="datetimeFigureOut">
               <a:rPr lang="en-US" smtClean="0"/>
-              <a:t>7/31/2020</a:t>
+              <a:t>8/1/2020</a:t>
             </a:fld>
             <a:endParaRPr lang="en-US"/>
           </a:p>
@@ -1304,7 +1305,7 @@
           <a:p>
             <a:fld id="{583D1611-C3BC-45BD-9FA5-A8A5DA707111}" type="datetimeFigureOut">
               <a:rPr lang="en-US" smtClean="0"/>
-              <a:t>7/31/2020</a:t>
+              <a:t>8/1/2020</a:t>
             </a:fld>
             <a:endParaRPr lang="en-US"/>
           </a:p>
@@ -1579,7 +1580,7 @@
           <a:p>
             <a:fld id="{583D1611-C3BC-45BD-9FA5-A8A5DA707111}" type="datetimeFigureOut">
               <a:rPr lang="en-US" smtClean="0"/>
-              <a:t>7/31/2020</a:t>
+              <a:t>8/1/2020</a:t>
             </a:fld>
             <a:endParaRPr lang="en-US"/>
           </a:p>
@@ -1844,7 +1845,7 @@
           <a:p>
             <a:fld id="{583D1611-C3BC-45BD-9FA5-A8A5DA707111}" type="datetimeFigureOut">
               <a:rPr lang="en-US" smtClean="0"/>
-              <a:t>7/31/2020</a:t>
+              <a:t>8/1/2020</a:t>
             </a:fld>
             <a:endParaRPr lang="en-US"/>
           </a:p>
@@ -2256,7 +2257,7 @@
           <a:p>
             <a:fld id="{583D1611-C3BC-45BD-9FA5-A8A5DA707111}" type="datetimeFigureOut">
               <a:rPr lang="en-US" smtClean="0"/>
-              <a:t>7/31/2020</a:t>
+              <a:t>8/1/2020</a:t>
             </a:fld>
             <a:endParaRPr lang="en-US"/>
           </a:p>
@@ -2397,7 +2398,7 @@
           <a:p>
             <a:fld id="{583D1611-C3BC-45BD-9FA5-A8A5DA707111}" type="datetimeFigureOut">
               <a:rPr lang="en-US" smtClean="0"/>
-              <a:t>7/31/2020</a:t>
+              <a:t>8/1/2020</a:t>
             </a:fld>
             <a:endParaRPr lang="en-US"/>
           </a:p>
@@ -2510,7 +2511,7 @@
           <a:p>
             <a:fld id="{583D1611-C3BC-45BD-9FA5-A8A5DA707111}" type="datetimeFigureOut">
               <a:rPr lang="en-US" smtClean="0"/>
-              <a:t>7/31/2020</a:t>
+              <a:t>8/1/2020</a:t>
             </a:fld>
             <a:endParaRPr lang="en-US"/>
           </a:p>
@@ -2821,7 +2822,7 @@
           <a:p>
             <a:fld id="{583D1611-C3BC-45BD-9FA5-A8A5DA707111}" type="datetimeFigureOut">
               <a:rPr lang="en-US" smtClean="0"/>
-              <a:t>7/31/2020</a:t>
+              <a:t>8/1/2020</a:t>
             </a:fld>
             <a:endParaRPr lang="en-US"/>
           </a:p>
@@ -3109,7 +3110,7 @@
           <a:p>
             <a:fld id="{583D1611-C3BC-45BD-9FA5-A8A5DA707111}" type="datetimeFigureOut">
               <a:rPr lang="en-US" smtClean="0"/>
-              <a:t>7/31/2020</a:t>
+              <a:t>8/1/2020</a:t>
             </a:fld>
             <a:endParaRPr lang="en-US"/>
           </a:p>
@@ -3350,7 +3351,7 @@
           <a:p>
             <a:fld id="{583D1611-C3BC-45BD-9FA5-A8A5DA707111}" type="datetimeFigureOut">
               <a:rPr lang="en-US" smtClean="0"/>
-              <a:t>7/31/2020</a:t>
+              <a:t>8/1/2020</a:t>
             </a:fld>
             <a:endParaRPr lang="en-US"/>
           </a:p>
@@ -6364,6 +6365,614 @@
 </p:sld>
 </file>
 
+<file path=ppt/slides/slide7.xml><?xml version="1.0" encoding="utf-8"?>
+<p:sld xmlns:a="http://schemas.openxmlformats.org/drawingml/2006/main" xmlns:r="http://schemas.openxmlformats.org/officeDocument/2006/relationships" xmlns:p="http://schemas.openxmlformats.org/presentationml/2006/main">
+  <p:cSld>
+    <p:spTree>
+      <p:nvGrpSpPr>
+        <p:cNvPr id="1" name=""/>
+        <p:cNvGrpSpPr/>
+        <p:nvPr/>
+      </p:nvGrpSpPr>
+      <p:grpSpPr>
+        <a:xfrm>
+          <a:off x="0" y="0"/>
+          <a:ext cx="0" cy="0"/>
+          <a:chOff x="0" y="0"/>
+          <a:chExt cx="0" cy="0"/>
+        </a:xfrm>
+      </p:grpSpPr>
+      <p:pic>
+        <p:nvPicPr>
+          <p:cNvPr id="3" name="Picture 2">
+            <a:extLst>
+              <a:ext uri="{FF2B5EF4-FFF2-40B4-BE49-F238E27FC236}">
+                <a16:creationId xmlns:a16="http://schemas.microsoft.com/office/drawing/2014/main" id="{EFE4D106-D99D-41DD-8114-A5B81B6523F5}"/>
+              </a:ext>
+            </a:extLst>
+          </p:cNvPr>
+          <p:cNvPicPr>
+            <a:picLocks noChangeAspect="1"/>
+          </p:cNvPicPr>
+          <p:nvPr/>
+        </p:nvPicPr>
+        <p:blipFill>
+          <a:blip r:embed="rId2">
+            <a:duotone>
+              <a:schemeClr val="accent6">
+                <a:shade val="45000"/>
+                <a:satMod val="135000"/>
+              </a:schemeClr>
+              <a:prstClr val="white"/>
+            </a:duotone>
+            <a:extLst>
+              <a:ext uri="{BEBA8EAE-BF5A-486C-A8C5-ECC9F3942E4B}">
+                <a14:imgProps xmlns:a14="http://schemas.microsoft.com/office/drawing/2010/main">
+                  <a14:imgLayer r:embed="rId3">
+                    <a14:imgEffect>
+                      <a14:artisticGlowEdges/>
+                    </a14:imgEffect>
+                  </a14:imgLayer>
+                </a14:imgProps>
+              </a:ext>
+              <a:ext uri="{28A0092B-C50C-407E-A947-70E740481C1C}">
+                <a14:useLocalDpi xmlns:a14="http://schemas.microsoft.com/office/drawing/2010/main" val="0"/>
+              </a:ext>
+            </a:extLst>
+          </a:blip>
+          <a:stretch>
+            <a:fillRect/>
+          </a:stretch>
+        </p:blipFill>
+        <p:spPr>
+          <a:xfrm>
+            <a:off x="278276" y="700307"/>
+            <a:ext cx="3552825" cy="1800225"/>
+          </a:xfrm>
+          <a:prstGeom prst="rect">
+            <a:avLst/>
+          </a:prstGeom>
+        </p:spPr>
+      </p:pic>
+      <p:grpSp>
+        <p:nvGrpSpPr>
+          <p:cNvPr id="8" name="Group 7">
+            <a:extLst>
+              <a:ext uri="{FF2B5EF4-FFF2-40B4-BE49-F238E27FC236}">
+                <a16:creationId xmlns:a16="http://schemas.microsoft.com/office/drawing/2014/main" id="{A2F489B9-95C5-4243-8D58-73BC49FFD077}"/>
+              </a:ext>
+            </a:extLst>
+          </p:cNvPr>
+          <p:cNvGrpSpPr/>
+          <p:nvPr/>
+        </p:nvGrpSpPr>
+        <p:grpSpPr>
+          <a:xfrm>
+            <a:off x="4319587" y="1868694"/>
+            <a:ext cx="3552826" cy="3120612"/>
+            <a:chOff x="4168234" y="1057493"/>
+            <a:chExt cx="3552826" cy="3120612"/>
+          </a:xfrm>
+        </p:grpSpPr>
+        <p:sp>
+          <p:nvSpPr>
+            <p:cNvPr id="4" name="Rectangle 3">
+              <a:extLst>
+                <a:ext uri="{FF2B5EF4-FFF2-40B4-BE49-F238E27FC236}">
+                  <a16:creationId xmlns:a16="http://schemas.microsoft.com/office/drawing/2014/main" id="{0E37EC64-2DB6-4EAF-976B-FEC123407981}"/>
+                </a:ext>
+              </a:extLst>
+            </p:cNvPr>
+            <p:cNvSpPr/>
+            <p:nvPr/>
+          </p:nvSpPr>
+          <p:spPr>
+            <a:xfrm>
+              <a:off x="4281268" y="1057493"/>
+              <a:ext cx="3301219" cy="3120612"/>
+            </a:xfrm>
+            <a:prstGeom prst="rect">
+              <a:avLst/>
+            </a:prstGeom>
+            <a:solidFill>
+              <a:srgbClr val="002060"/>
+            </a:solidFill>
+            <a:ln>
+              <a:noFill/>
+            </a:ln>
+          </p:spPr>
+          <p:style>
+            <a:lnRef idx="2">
+              <a:schemeClr val="accent1">
+                <a:shade val="50000"/>
+              </a:schemeClr>
+            </a:lnRef>
+            <a:fillRef idx="1">
+              <a:schemeClr val="accent1"/>
+            </a:fillRef>
+            <a:effectRef idx="0">
+              <a:schemeClr val="accent1"/>
+            </a:effectRef>
+            <a:fontRef idx="minor">
+              <a:schemeClr val="lt1"/>
+            </a:fontRef>
+          </p:style>
+          <p:txBody>
+            <a:bodyPr rtlCol="0" anchor="ctr"/>
+            <a:lstStyle/>
+            <a:p>
+              <a:pPr algn="ctr"/>
+              <a:endParaRPr lang="en-US"/>
+            </a:p>
+          </p:txBody>
+        </p:sp>
+        <p:sp>
+          <p:nvSpPr>
+            <p:cNvPr id="5" name="Rectangle 4">
+              <a:extLst>
+                <a:ext uri="{FF2B5EF4-FFF2-40B4-BE49-F238E27FC236}">
+                  <a16:creationId xmlns:a16="http://schemas.microsoft.com/office/drawing/2014/main" id="{0B431AAD-7F7A-485B-ACB7-B0BC7FC3186A}"/>
+                </a:ext>
+              </a:extLst>
+            </p:cNvPr>
+            <p:cNvSpPr/>
+            <p:nvPr/>
+          </p:nvSpPr>
+          <p:spPr>
+            <a:xfrm>
+              <a:off x="4168234" y="1057493"/>
+              <a:ext cx="3552826" cy="1323439"/>
+            </a:xfrm>
+            <a:prstGeom prst="rect">
+              <a:avLst/>
+            </a:prstGeom>
+            <a:noFill/>
+          </p:spPr>
+          <p:txBody>
+            <a:bodyPr wrap="square" lIns="91440" tIns="45720" rIns="91440" bIns="45720">
+              <a:spAutoFit/>
+            </a:bodyPr>
+            <a:lstStyle/>
+            <a:p>
+              <a:pPr algn="ctr"/>
+              <a:r>
+                <a:rPr lang="en-US" sz="4000" dirty="0">
+                  <a:ln w="0"/>
+                  <a:solidFill>
+                    <a:srgbClr val="FF0000"/>
+                  </a:solidFill>
+                  <a:effectLst>
+                    <a:outerShdw blurRad="38100" dist="19050" dir="2700000" algn="tl" rotWithShape="0">
+                      <a:schemeClr val="dk1">
+                        <a:alpha val="40000"/>
+                      </a:schemeClr>
+                    </a:outerShdw>
+                  </a:effectLst>
+                  <a:latin typeface="Agency FB" panose="020B0503020202020204" pitchFamily="34" charset="0"/>
+                </a:rPr>
+                <a:t>11.0010010000111111011010101000100010001</a:t>
+              </a:r>
+              <a:endParaRPr lang="en-US" sz="4000" b="0" cap="none" spc="0" dirty="0">
+                <a:ln w="0"/>
+                <a:solidFill>
+                  <a:srgbClr val="FF0000"/>
+                </a:solidFill>
+                <a:effectLst>
+                  <a:outerShdw blurRad="38100" dist="19050" dir="2700000" algn="tl" rotWithShape="0">
+                    <a:schemeClr val="dk1">
+                      <a:alpha val="40000"/>
+                    </a:schemeClr>
+                  </a:outerShdw>
+                </a:effectLst>
+                <a:latin typeface="Agency FB" panose="020B0503020202020204" pitchFamily="34" charset="0"/>
+              </a:endParaRPr>
+            </a:p>
+          </p:txBody>
+        </p:sp>
+        <p:sp>
+          <p:nvSpPr>
+            <p:cNvPr id="6" name="Rectangle 5">
+              <a:extLst>
+                <a:ext uri="{FF2B5EF4-FFF2-40B4-BE49-F238E27FC236}">
+                  <a16:creationId xmlns:a16="http://schemas.microsoft.com/office/drawing/2014/main" id="{17B13500-C300-414F-8953-7D2426CF8554}"/>
+                </a:ext>
+              </a:extLst>
+            </p:cNvPr>
+            <p:cNvSpPr/>
+            <p:nvPr/>
+          </p:nvSpPr>
+          <p:spPr>
+            <a:xfrm>
+              <a:off x="4351957" y="2320148"/>
+              <a:ext cx="3159839" cy="584775"/>
+            </a:xfrm>
+            <a:prstGeom prst="rect">
+              <a:avLst/>
+            </a:prstGeom>
+            <a:noFill/>
+          </p:spPr>
+          <p:txBody>
+            <a:bodyPr wrap="none" lIns="91440" tIns="45720" rIns="91440" bIns="45720">
+              <a:spAutoFit/>
+            </a:bodyPr>
+            <a:lstStyle/>
+            <a:p>
+              <a:pPr algn="ctr"/>
+              <a:r>
+                <a:rPr lang="en-US" sz="3200" dirty="0" err="1">
+                  <a:ln w="0"/>
+                  <a:solidFill>
+                    <a:schemeClr val="bg1"/>
+                  </a:solidFill>
+                  <a:effectLst>
+                    <a:outerShdw blurRad="38100" dist="19050" dir="2700000" algn="tl" rotWithShape="0">
+                      <a:schemeClr val="dk1">
+                        <a:alpha val="40000"/>
+                      </a:schemeClr>
+                    </a:outerShdw>
+                  </a:effectLst>
+                  <a:latin typeface="Kalpurush" panose="02000600000000000000" pitchFamily="2" charset="0"/>
+                  <a:cs typeface="Kalpurush" panose="02000600000000000000" pitchFamily="2" charset="0"/>
+                </a:rPr>
+                <a:t>গণিত</a:t>
+              </a:r>
+              <a:r>
+                <a:rPr lang="en-US" sz="3200" dirty="0">
+                  <a:ln w="0"/>
+                  <a:solidFill>
+                    <a:schemeClr val="bg1"/>
+                  </a:solidFill>
+                  <a:effectLst>
+                    <a:outerShdw blurRad="38100" dist="19050" dir="2700000" algn="tl" rotWithShape="0">
+                      <a:schemeClr val="dk1">
+                        <a:alpha val="40000"/>
+                      </a:schemeClr>
+                    </a:outerShdw>
+                  </a:effectLst>
+                  <a:latin typeface="Kalpurush" panose="02000600000000000000" pitchFamily="2" charset="0"/>
+                  <a:cs typeface="Kalpurush" panose="02000600000000000000" pitchFamily="2" charset="0"/>
+                </a:rPr>
+                <a:t> </a:t>
+              </a:r>
+              <a:r>
+                <a:rPr lang="en-US" sz="3200" dirty="0" err="1">
+                  <a:ln w="0"/>
+                  <a:solidFill>
+                    <a:schemeClr val="bg1"/>
+                  </a:solidFill>
+                  <a:effectLst>
+                    <a:outerShdw blurRad="38100" dist="19050" dir="2700000" algn="tl" rotWithShape="0">
+                      <a:schemeClr val="dk1">
+                        <a:alpha val="40000"/>
+                      </a:schemeClr>
+                    </a:outerShdw>
+                  </a:effectLst>
+                  <a:latin typeface="Kalpurush" panose="02000600000000000000" pitchFamily="2" charset="0"/>
+                  <a:cs typeface="Kalpurush" panose="02000600000000000000" pitchFamily="2" charset="0"/>
+                </a:rPr>
+                <a:t>এবং</a:t>
+              </a:r>
+              <a:r>
+                <a:rPr lang="en-US" sz="3200" dirty="0">
+                  <a:ln w="0"/>
+                  <a:solidFill>
+                    <a:schemeClr val="bg1"/>
+                  </a:solidFill>
+                  <a:effectLst>
+                    <a:outerShdw blurRad="38100" dist="19050" dir="2700000" algn="tl" rotWithShape="0">
+                      <a:schemeClr val="dk1">
+                        <a:alpha val="40000"/>
+                      </a:schemeClr>
+                    </a:outerShdw>
+                  </a:effectLst>
+                  <a:latin typeface="Kalpurush" panose="02000600000000000000" pitchFamily="2" charset="0"/>
+                  <a:cs typeface="Kalpurush" panose="02000600000000000000" pitchFamily="2" charset="0"/>
+                </a:rPr>
+                <a:t> </a:t>
+              </a:r>
+              <a:r>
+                <a:rPr lang="en-US" sz="3200" dirty="0" err="1">
+                  <a:ln w="0"/>
+                  <a:solidFill>
+                    <a:schemeClr val="bg1"/>
+                  </a:solidFill>
+                  <a:effectLst>
+                    <a:outerShdw blurRad="38100" dist="19050" dir="2700000" algn="tl" rotWithShape="0">
+                      <a:schemeClr val="dk1">
+                        <a:alpha val="40000"/>
+                      </a:schemeClr>
+                    </a:outerShdw>
+                  </a:effectLst>
+                  <a:latin typeface="Kalpurush" panose="02000600000000000000" pitchFamily="2" charset="0"/>
+                  <a:cs typeface="Kalpurush" panose="02000600000000000000" pitchFamily="2" charset="0"/>
+                </a:rPr>
+                <a:t>প্রোগ্রামিং</a:t>
+              </a:r>
+              <a:endParaRPr lang="en-US" sz="3200" b="0" cap="none" spc="0" dirty="0">
+                <a:ln w="0"/>
+                <a:solidFill>
+                  <a:schemeClr val="bg1"/>
+                </a:solidFill>
+                <a:effectLst>
+                  <a:outerShdw blurRad="38100" dist="19050" dir="2700000" algn="tl" rotWithShape="0">
+                    <a:schemeClr val="dk1">
+                      <a:alpha val="40000"/>
+                    </a:schemeClr>
+                  </a:outerShdw>
+                </a:effectLst>
+                <a:latin typeface="Kalpurush" panose="02000600000000000000" pitchFamily="2" charset="0"/>
+                <a:cs typeface="Kalpurush" panose="02000600000000000000" pitchFamily="2" charset="0"/>
+              </a:endParaRPr>
+            </a:p>
+          </p:txBody>
+        </p:sp>
+        <p:sp>
+          <p:nvSpPr>
+            <p:cNvPr id="7" name="Rectangle 6">
+              <a:extLst>
+                <a:ext uri="{FF2B5EF4-FFF2-40B4-BE49-F238E27FC236}">
+                  <a16:creationId xmlns:a16="http://schemas.microsoft.com/office/drawing/2014/main" id="{C0A232E5-172A-43AA-B1F1-BEC3799D8B0F}"/>
+                </a:ext>
+              </a:extLst>
+            </p:cNvPr>
+            <p:cNvSpPr/>
+            <p:nvPr/>
+          </p:nvSpPr>
+          <p:spPr>
+            <a:xfrm>
+              <a:off x="4168234" y="2844139"/>
+              <a:ext cx="3552826" cy="1323439"/>
+            </a:xfrm>
+            <a:prstGeom prst="rect">
+              <a:avLst/>
+            </a:prstGeom>
+            <a:noFill/>
+          </p:spPr>
+          <p:txBody>
+            <a:bodyPr wrap="square" lIns="91440" tIns="45720" rIns="91440" bIns="45720">
+              <a:spAutoFit/>
+            </a:bodyPr>
+            <a:lstStyle/>
+            <a:p>
+              <a:pPr algn="ctr"/>
+              <a:r>
+                <a:rPr lang="en-US" sz="4000" dirty="0">
+                  <a:ln w="0"/>
+                  <a:solidFill>
+                    <a:srgbClr val="FF0000"/>
+                  </a:solidFill>
+                  <a:effectLst>
+                    <a:outerShdw blurRad="38100" dist="19050" dir="2700000" algn="tl" rotWithShape="0">
+                      <a:schemeClr val="dk1">
+                        <a:alpha val="40000"/>
+                      </a:schemeClr>
+                    </a:outerShdw>
+                  </a:effectLst>
+                  <a:latin typeface="Agency FB" panose="020B0503020202020204" pitchFamily="34" charset="0"/>
+                </a:rPr>
+                <a:t>0101000110000100011010011000100100011</a:t>
+              </a:r>
+              <a:endParaRPr lang="en-US" sz="4000" b="0" cap="none" spc="0" dirty="0">
+                <a:ln w="0"/>
+                <a:solidFill>
+                  <a:srgbClr val="FF0000"/>
+                </a:solidFill>
+                <a:effectLst>
+                  <a:outerShdw blurRad="38100" dist="19050" dir="2700000" algn="tl" rotWithShape="0">
+                    <a:schemeClr val="dk1">
+                      <a:alpha val="40000"/>
+                    </a:schemeClr>
+                  </a:outerShdw>
+                </a:effectLst>
+                <a:latin typeface="Agency FB" panose="020B0503020202020204" pitchFamily="34" charset="0"/>
+              </a:endParaRPr>
+            </a:p>
+          </p:txBody>
+        </p:sp>
+      </p:grpSp>
+      <p:pic>
+        <p:nvPicPr>
+          <p:cNvPr id="10" name="Picture 9">
+            <a:extLst>
+              <a:ext uri="{FF2B5EF4-FFF2-40B4-BE49-F238E27FC236}">
+                <a16:creationId xmlns:a16="http://schemas.microsoft.com/office/drawing/2014/main" id="{8C63C6EC-5251-407D-8651-75090B211553}"/>
+              </a:ext>
+            </a:extLst>
+          </p:cNvPr>
+          <p:cNvPicPr>
+            <a:picLocks noChangeAspect="1"/>
+          </p:cNvPicPr>
+          <p:nvPr/>
+        </p:nvPicPr>
+        <p:blipFill rotWithShape="1">
+          <a:blip r:embed="rId4">
+            <a:extLst>
+              <a:ext uri="{28A0092B-C50C-407E-A947-70E740481C1C}">
+                <a14:useLocalDpi xmlns:a14="http://schemas.microsoft.com/office/drawing/2010/main" val="0"/>
+              </a:ext>
+            </a:extLst>
+          </a:blip>
+          <a:srcRect l="8111" t="3491" r="8957" b="8322"/>
+          <a:stretch/>
+        </p:blipFill>
+        <p:spPr>
+          <a:xfrm>
+            <a:off x="1036468" y="5675088"/>
+            <a:ext cx="1179862" cy="1115313"/>
+          </a:xfrm>
+          <a:prstGeom prst="rect">
+            <a:avLst/>
+          </a:prstGeom>
+        </p:spPr>
+      </p:pic>
+      <p:grpSp>
+        <p:nvGrpSpPr>
+          <p:cNvPr id="14" name="Group 13">
+            <a:extLst>
+              <a:ext uri="{FF2B5EF4-FFF2-40B4-BE49-F238E27FC236}">
+                <a16:creationId xmlns:a16="http://schemas.microsoft.com/office/drawing/2014/main" id="{2CE6391C-5A25-490A-BF50-ABCE801C3800}"/>
+              </a:ext>
+            </a:extLst>
+          </p:cNvPr>
+          <p:cNvGrpSpPr/>
+          <p:nvPr/>
+        </p:nvGrpSpPr>
+        <p:grpSpPr>
+          <a:xfrm>
+            <a:off x="1392942" y="3541415"/>
+            <a:ext cx="1323491" cy="1323491"/>
+            <a:chOff x="2144515" y="3156405"/>
+            <a:chExt cx="1323491" cy="1323491"/>
+          </a:xfrm>
+        </p:grpSpPr>
+        <p:sp>
+          <p:nvSpPr>
+            <p:cNvPr id="13" name="Rectangle 12">
+              <a:extLst>
+                <a:ext uri="{FF2B5EF4-FFF2-40B4-BE49-F238E27FC236}">
+                  <a16:creationId xmlns:a16="http://schemas.microsoft.com/office/drawing/2014/main" id="{8CA9C737-73B5-480B-94AF-F5320AC5BB47}"/>
+                </a:ext>
+              </a:extLst>
+            </p:cNvPr>
+            <p:cNvSpPr/>
+            <p:nvPr/>
+          </p:nvSpPr>
+          <p:spPr>
+            <a:xfrm>
+              <a:off x="2216330" y="3242156"/>
+              <a:ext cx="1179862" cy="1115313"/>
+            </a:xfrm>
+            <a:prstGeom prst="rect">
+              <a:avLst/>
+            </a:prstGeom>
+            <a:solidFill>
+              <a:srgbClr val="FFC000"/>
+            </a:solidFill>
+            <a:ln>
+              <a:noFill/>
+            </a:ln>
+          </p:spPr>
+          <p:style>
+            <a:lnRef idx="2">
+              <a:schemeClr val="accent1">
+                <a:shade val="50000"/>
+              </a:schemeClr>
+            </a:lnRef>
+            <a:fillRef idx="1">
+              <a:schemeClr val="accent1"/>
+            </a:fillRef>
+            <a:effectRef idx="0">
+              <a:schemeClr val="accent1"/>
+            </a:effectRef>
+            <a:fontRef idx="minor">
+              <a:schemeClr val="lt1"/>
+            </a:fontRef>
+          </p:style>
+          <p:txBody>
+            <a:bodyPr rtlCol="0" anchor="ctr"/>
+            <a:lstStyle/>
+            <a:p>
+              <a:pPr algn="ctr"/>
+              <a:endParaRPr lang="en-US"/>
+            </a:p>
+          </p:txBody>
+        </p:sp>
+        <p:pic>
+          <p:nvPicPr>
+            <p:cNvPr id="12" name="Picture 11">
+              <a:extLst>
+                <a:ext uri="{FF2B5EF4-FFF2-40B4-BE49-F238E27FC236}">
+                  <a16:creationId xmlns:a16="http://schemas.microsoft.com/office/drawing/2014/main" id="{EA2564CC-35D6-4BCC-A57B-0E3D13FFDB64}"/>
+                </a:ext>
+              </a:extLst>
+            </p:cNvPr>
+            <p:cNvPicPr>
+              <a:picLocks noChangeAspect="1"/>
+            </p:cNvPicPr>
+            <p:nvPr/>
+          </p:nvPicPr>
+          <p:blipFill>
+            <a:blip r:embed="rId5">
+              <a:extLst>
+                <a:ext uri="{BEBA8EAE-BF5A-486C-A8C5-ECC9F3942E4B}">
+                  <a14:imgProps xmlns:a14="http://schemas.microsoft.com/office/drawing/2010/main">
+                    <a14:imgLayer r:embed="rId6">
+                      <a14:imgEffect>
+                        <a14:backgroundRemoval t="10000" b="90000" l="10000" r="90000">
+                          <a14:foregroundMark x1="75444" y1="56556" x2="75444" y2="56556"/>
+                        </a14:backgroundRemoval>
+                      </a14:imgEffect>
+                    </a14:imgLayer>
+                  </a14:imgProps>
+                </a:ext>
+                <a:ext uri="{28A0092B-C50C-407E-A947-70E740481C1C}">
+                  <a14:useLocalDpi xmlns:a14="http://schemas.microsoft.com/office/drawing/2010/main" val="0"/>
+                </a:ext>
+              </a:extLst>
+            </a:blip>
+            <a:stretch>
+              <a:fillRect/>
+            </a:stretch>
+          </p:blipFill>
+          <p:spPr>
+            <a:xfrm>
+              <a:off x="2144515" y="3156405"/>
+              <a:ext cx="1323491" cy="1323491"/>
+            </a:xfrm>
+            <a:prstGeom prst="rect">
+              <a:avLst/>
+            </a:prstGeom>
+          </p:spPr>
+        </p:pic>
+      </p:grpSp>
+      <p:pic>
+        <p:nvPicPr>
+          <p:cNvPr id="16" name="Picture 15">
+            <a:extLst>
+              <a:ext uri="{FF2B5EF4-FFF2-40B4-BE49-F238E27FC236}">
+                <a16:creationId xmlns:a16="http://schemas.microsoft.com/office/drawing/2014/main" id="{DC1854C9-F977-475B-BC0A-2EF9061DFA30}"/>
+              </a:ext>
+            </a:extLst>
+          </p:cNvPr>
+          <p:cNvPicPr>
+            <a:picLocks noChangeAspect="1"/>
+          </p:cNvPicPr>
+          <p:nvPr/>
+        </p:nvPicPr>
+        <p:blipFill rotWithShape="1">
+          <a:blip r:embed="rId7">
+            <a:extLst>
+              <a:ext uri="{28A0092B-C50C-407E-A947-70E740481C1C}">
+                <a14:useLocalDpi xmlns:a14="http://schemas.microsoft.com/office/drawing/2010/main" val="0"/>
+              </a:ext>
+            </a:extLst>
+          </a:blip>
+          <a:srcRect l="4656" t="6488" r="4986" b="8914"/>
+          <a:stretch/>
+        </p:blipFill>
+        <p:spPr>
+          <a:xfrm>
+            <a:off x="8422480" y="2343151"/>
+            <a:ext cx="1195389" cy="1119188"/>
+          </a:xfrm>
+          <a:prstGeom prst="rect">
+            <a:avLst/>
+          </a:prstGeom>
+        </p:spPr>
+      </p:pic>
+    </p:spTree>
+    <p:extLst>
+      <p:ext uri="{BB962C8B-B14F-4D97-AF65-F5344CB8AC3E}">
+        <p14:creationId xmlns:p14="http://schemas.microsoft.com/office/powerpoint/2010/main" val="1822711765"/>
+      </p:ext>
+    </p:extLst>
+  </p:cSld>
+  <p:clrMapOvr>
+    <a:masterClrMapping/>
+  </p:clrMapOvr>
+</p:sld>
+</file>
+
 <file path=ppt/theme/theme1.xml><?xml version="1.0" encoding="utf-8"?>
 <a:theme xmlns:a="http://schemas.openxmlformats.org/drawingml/2006/main" name="Office Theme">
   <a:themeElements>
